--- a/Resume Parsing.pptx
+++ b/Resume Parsing.pptx
@@ -14,15 +14,17 @@
     <p:sldId id="262" r:id="rId8"/>
     <p:sldId id="263" r:id="rId9"/>
     <p:sldId id="264" r:id="rId10"/>
-    <p:sldId id="273" r:id="rId11"/>
-    <p:sldId id="272" r:id="rId12"/>
-    <p:sldId id="265" r:id="rId13"/>
-    <p:sldId id="266" r:id="rId14"/>
-    <p:sldId id="269" r:id="rId15"/>
-    <p:sldId id="267" r:id="rId16"/>
-    <p:sldId id="268" r:id="rId17"/>
-    <p:sldId id="270" r:id="rId18"/>
-    <p:sldId id="271" r:id="rId19"/>
+    <p:sldId id="274" r:id="rId11"/>
+    <p:sldId id="273" r:id="rId12"/>
+    <p:sldId id="272" r:id="rId13"/>
+    <p:sldId id="265" r:id="rId14"/>
+    <p:sldId id="266" r:id="rId15"/>
+    <p:sldId id="269" r:id="rId16"/>
+    <p:sldId id="267" r:id="rId17"/>
+    <p:sldId id="268" r:id="rId18"/>
+    <p:sldId id="270" r:id="rId19"/>
+    <p:sldId id="275" r:id="rId20"/>
+    <p:sldId id="271" r:id="rId21"/>
   </p:sldIdLst>
   <p:sldSz cx="12192000" cy="6858000"/>
   <p:notesSz cx="6858000" cy="9144000"/>
@@ -3571,10 +3573,10 @@
       </p:grpSpPr>
       <p:pic>
         <p:nvPicPr>
-          <p:cNvPr id="9" name="Picture 8">
-            <a:extLst>
-              <a:ext uri="{FF2B5EF4-FFF2-40B4-BE49-F238E27FC236}">
-                <a16:creationId xmlns:a16="http://schemas.microsoft.com/office/drawing/2014/main" id="{C15F6E6F-BE2D-4C80-90B8-1E11ED018A0A}"/>
+          <p:cNvPr id="3" name="Picture 2">
+            <a:extLst>
+              <a:ext uri="{FF2B5EF4-FFF2-40B4-BE49-F238E27FC236}">
+                <a16:creationId xmlns:a16="http://schemas.microsoft.com/office/drawing/2014/main" id="{CE273CDD-47FA-46DD-B717-0B377DF95D21}"/>
               </a:ext>
             </a:extLst>
           </p:cNvPr>
@@ -3597,85 +3599,8 @@
         </p:blipFill>
         <p:spPr>
           <a:xfrm>
-            <a:off x="0" y="1105"/>
-            <a:ext cx="12191999" cy="6856895"/>
-          </a:xfrm>
-          <a:prstGeom prst="rect">
-            <a:avLst/>
-          </a:prstGeom>
-        </p:spPr>
-      </p:pic>
-      <p:sp>
-        <p:nvSpPr>
-          <p:cNvPr id="3" name="TextBox 2">
-            <a:extLst>
-              <a:ext uri="{FF2B5EF4-FFF2-40B4-BE49-F238E27FC236}">
-                <a16:creationId xmlns:a16="http://schemas.microsoft.com/office/drawing/2014/main" id="{B93EDE65-556D-4E9C-A26A-C11C8923EC9F}"/>
-              </a:ext>
-            </a:extLst>
-          </p:cNvPr>
-          <p:cNvSpPr txBox="1"/>
-          <p:nvPr/>
-        </p:nvSpPr>
-        <p:spPr>
-          <a:xfrm>
-            <a:off x="3048000" y="478426"/>
-            <a:ext cx="6096000" cy="954107"/>
-          </a:xfrm>
-          <a:prstGeom prst="rect">
-            <a:avLst/>
-          </a:prstGeom>
-          <a:noFill/>
-        </p:spPr>
-        <p:txBody>
-          <a:bodyPr wrap="square">
-            <a:spAutoFit/>
-          </a:bodyPr>
-          <a:lstStyle/>
-          <a:p>
-            <a:r>
-              <a:rPr lang="en-US" sz="2800" b="1" i="0" u="none" strike="noStrike" baseline="0" dirty="0">
-                <a:solidFill>
-                  <a:srgbClr val="222A9C"/>
-                </a:solidFill>
-                <a:latin typeface="PublicSans-Bold"/>
-              </a:rPr>
-              <a:t>Modeling data preparation: Resume csv to annotated Bio formatted Data</a:t>
-            </a:r>
-            <a:endParaRPr lang="en-KE" sz="2800" dirty="0"/>
-          </a:p>
-        </p:txBody>
-      </p:sp>
-      <p:pic>
-        <p:nvPicPr>
-          <p:cNvPr id="5" name="Picture 4">
-            <a:extLst>
-              <a:ext uri="{FF2B5EF4-FFF2-40B4-BE49-F238E27FC236}">
-                <a16:creationId xmlns:a16="http://schemas.microsoft.com/office/drawing/2014/main" id="{1897E943-CFA3-4479-88D8-89294D2B4043}"/>
-              </a:ext>
-            </a:extLst>
-          </p:cNvPr>
-          <p:cNvPicPr>
-            <a:picLocks noChangeAspect="1"/>
-          </p:cNvPicPr>
-          <p:nvPr/>
-        </p:nvPicPr>
-        <p:blipFill>
-          <a:blip r:embed="rId3">
-            <a:extLst>
-              <a:ext uri="{28A0092B-C50C-407E-A947-70E740481C1C}">
-                <a14:useLocalDpi xmlns:a14="http://schemas.microsoft.com/office/drawing/2010/main" val="0"/>
-              </a:ext>
-            </a:extLst>
-          </a:blip>
-          <a:stretch>
-            <a:fillRect/>
-          </a:stretch>
-        </p:blipFill>
-        <p:spPr>
-          <a:xfrm>
-            <a:off x="3409056" y="1432533"/>
-            <a:ext cx="5373885" cy="5086568"/>
+            <a:off x="92764" y="176614"/>
+            <a:ext cx="11979965" cy="6490412"/>
           </a:xfrm>
           <a:prstGeom prst="rect">
             <a:avLst/>
@@ -3685,7 +3610,7 @@
     </p:spTree>
     <p:extLst>
       <p:ext uri="{BB962C8B-B14F-4D97-AF65-F5344CB8AC3E}">
-        <p14:creationId xmlns:p14="http://schemas.microsoft.com/office/powerpoint/2010/main" val="2498426390"/>
+        <p14:creationId xmlns:p14="http://schemas.microsoft.com/office/powerpoint/2010/main" val="3255747512"/>
       </p:ext>
     </p:extLst>
   </p:cSld>
@@ -3714,10 +3639,10 @@
       </p:grpSpPr>
       <p:pic>
         <p:nvPicPr>
-          <p:cNvPr id="7" name="Picture 6">
-            <a:extLst>
-              <a:ext uri="{FF2B5EF4-FFF2-40B4-BE49-F238E27FC236}">
-                <a16:creationId xmlns:a16="http://schemas.microsoft.com/office/drawing/2014/main" id="{E4F928F3-3AA5-44FA-B375-291E86651C67}"/>
+          <p:cNvPr id="9" name="Picture 8">
+            <a:extLst>
+              <a:ext uri="{FF2B5EF4-FFF2-40B4-BE49-F238E27FC236}">
+                <a16:creationId xmlns:a16="http://schemas.microsoft.com/office/drawing/2014/main" id="{C15F6E6F-BE2D-4C80-90B8-1E11ED018A0A}"/>
               </a:ext>
             </a:extLst>
           </p:cNvPr>
@@ -3740,8 +3665,8 @@
         </p:blipFill>
         <p:spPr>
           <a:xfrm>
-            <a:off x="0" y="0"/>
-            <a:ext cx="12192001" cy="6858000"/>
+            <a:off x="0" y="1105"/>
+            <a:ext cx="12191999" cy="6856895"/>
           </a:xfrm>
           <a:prstGeom prst="rect">
             <a:avLst/>
@@ -3753,7 +3678,7 @@
           <p:cNvPr id="3" name="TextBox 2">
             <a:extLst>
               <a:ext uri="{FF2B5EF4-FFF2-40B4-BE49-F238E27FC236}">
-                <a16:creationId xmlns:a16="http://schemas.microsoft.com/office/drawing/2014/main" id="{77316098-DCE8-481A-BDE0-D2F36FCB1DC3}"/>
+                <a16:creationId xmlns:a16="http://schemas.microsoft.com/office/drawing/2014/main" id="{B93EDE65-556D-4E9C-A26A-C11C8923EC9F}"/>
               </a:ext>
             </a:extLst>
           </p:cNvPr>
@@ -3762,8 +3687,8 @@
         </p:nvSpPr>
         <p:spPr>
           <a:xfrm>
-            <a:off x="1060228" y="494092"/>
-            <a:ext cx="6930887" cy="1323439"/>
+            <a:off x="3048000" y="478426"/>
+            <a:ext cx="6096000" cy="954107"/>
           </a:xfrm>
           <a:prstGeom prst="rect">
             <a:avLst/>
@@ -3777,15 +3702,15 @@
           <a:lstStyle/>
           <a:p>
             <a:r>
-              <a:rPr lang="en-US" sz="4000" b="1" i="0" u="none" strike="noStrike" baseline="0" dirty="0">
+              <a:rPr lang="en-US" sz="2800" b="1" i="0" u="none" strike="noStrike" baseline="0" dirty="0">
                 <a:solidFill>
                   <a:srgbClr val="222A9C"/>
                 </a:solidFill>
                 <a:latin typeface="PublicSans-Bold"/>
               </a:rPr>
-              <a:t>Modeling data preparation: formatted JSON data tokens. </a:t>
-            </a:r>
-            <a:endParaRPr lang="en-KE" sz="4000" dirty="0"/>
+              <a:t>Modeling data preparation: Resume csv to annotated Bio formatted Data</a:t>
+            </a:r>
+            <a:endParaRPr lang="en-KE" sz="2800" dirty="0"/>
           </a:p>
         </p:txBody>
       </p:sp>
@@ -3794,7 +3719,7 @@
           <p:cNvPr id="5" name="Picture 4">
             <a:extLst>
               <a:ext uri="{FF2B5EF4-FFF2-40B4-BE49-F238E27FC236}">
-                <a16:creationId xmlns:a16="http://schemas.microsoft.com/office/drawing/2014/main" id="{154A4421-5D20-4C1E-80F9-696FF8E31637}"/>
+                <a16:creationId xmlns:a16="http://schemas.microsoft.com/office/drawing/2014/main" id="{1897E943-CFA3-4479-88D8-89294D2B4043}"/>
               </a:ext>
             </a:extLst>
           </p:cNvPr>
@@ -3817,195 +3742,18 @@
         </p:blipFill>
         <p:spPr>
           <a:xfrm>
-            <a:off x="1060228" y="3020305"/>
-            <a:ext cx="10071543" cy="2114411"/>
+            <a:off x="3409056" y="1432533"/>
+            <a:ext cx="5373885" cy="5086568"/>
           </a:xfrm>
           <a:prstGeom prst="rect">
             <a:avLst/>
           </a:prstGeom>
         </p:spPr>
       </p:pic>
-      <p:sp>
-        <p:nvSpPr>
-          <p:cNvPr id="9" name="Rectangle 1">
-            <a:extLst>
-              <a:ext uri="{FF2B5EF4-FFF2-40B4-BE49-F238E27FC236}">
-                <a16:creationId xmlns:a16="http://schemas.microsoft.com/office/drawing/2014/main" id="{DF452F6E-A62E-46B8-B7C9-96391A30402B}"/>
-              </a:ext>
-            </a:extLst>
-          </p:cNvPr>
-          <p:cNvSpPr>
-            <a:spLocks noChangeArrowheads="1"/>
-          </p:cNvSpPr>
-          <p:nvPr/>
-        </p:nvSpPr>
-        <p:spPr bwMode="auto">
-          <a:xfrm>
-            <a:off x="1060228" y="1817531"/>
-            <a:ext cx="10526793" cy="1200329"/>
-          </a:xfrm>
-          <a:prstGeom prst="rect">
-            <a:avLst/>
-          </a:prstGeom>
-          <a:noFill/>
-          <a:ln>
-            <a:noFill/>
-          </a:ln>
-          <a:effectLst/>
-          <a:extLst>
-            <a:ext uri="{909E8E84-426E-40DD-AFC4-6F175D3DCCD1}">
-              <a14:hiddenFill xmlns:a14="http://schemas.microsoft.com/office/drawing/2010/main">
-                <a:solidFill>
-                  <a:schemeClr val="accent1"/>
-                </a:solidFill>
-              </a14:hiddenFill>
-            </a:ext>
-            <a:ext uri="{91240B29-F687-4F45-9708-019B960494DF}">
-              <a14:hiddenLine xmlns:a14="http://schemas.microsoft.com/office/drawing/2010/main" w="9525">
-                <a:solidFill>
-                  <a:schemeClr val="tx1"/>
-                </a:solidFill>
-                <a:miter lim="800000"/>
-                <a:headEnd/>
-                <a:tailEnd/>
-              </a14:hiddenLine>
-            </a:ext>
-            <a:ext uri="{AF507438-7753-43E0-B8FC-AC1667EBCBE1}">
-              <a14:hiddenEffects xmlns:a14="http://schemas.microsoft.com/office/drawing/2010/main">
-                <a:effectLst>
-                  <a:outerShdw dist="35921" dir="2700000" algn="ctr" rotWithShape="0">
-                    <a:schemeClr val="bg2"/>
-                  </a:outerShdw>
-                </a:effectLst>
-              </a14:hiddenEffects>
-            </a:ext>
-          </a:extLst>
-        </p:spPr>
-        <p:txBody>
-          <a:bodyPr vert="horz" wrap="none" lIns="91440" tIns="45720" rIns="91440" bIns="45720" numCol="1" anchor="ctr" anchorCtr="0" compatLnSpc="1">
-            <a:prstTxWarp prst="textNoShape">
-              <a:avLst/>
-            </a:prstTxWarp>
-            <a:spAutoFit/>
-          </a:bodyPr>
-          <a:lstStyle/>
-          <a:p>
-            <a:pPr marL="0" marR="0" lvl="0" indent="0" algn="l" defTabSz="914400" rtl="0" eaLnBrk="0" fontAlgn="base" latinLnBrk="0" hangingPunct="0">
-              <a:lnSpc>
-                <a:spcPct val="100000"/>
-              </a:lnSpc>
-              <a:spcBef>
-                <a:spcPct val="0"/>
-              </a:spcBef>
-              <a:spcAft>
-                <a:spcPct val="0"/>
-              </a:spcAft>
-              <a:buClrTx/>
-              <a:buSzTx/>
-              <a:buFontTx/>
-              <a:buNone/>
-              <a:tabLst/>
-            </a:pPr>
-            <a:r>
-              <a:rPr lang="en-US" sz="2400" b="1" dirty="0"/>
-              <a:t>Sentence Formation</a:t>
-            </a:r>
-            <a:r>
-              <a:rPr lang="en-US" sz="2400" dirty="0"/>
-              <a:t>: Combines all resume fields into a single sequence per record.</a:t>
-            </a:r>
-          </a:p>
-          <a:p>
-            <a:pPr eaLnBrk="0" fontAlgn="base" hangingPunct="0">
-              <a:spcBef>
-                <a:spcPct val="0"/>
-              </a:spcBef>
-              <a:spcAft>
-                <a:spcPct val="0"/>
-              </a:spcAft>
-            </a:pPr>
-            <a:r>
-              <a:rPr kumimoji="0" lang="en-KE" altLang="en-KE" sz="2400" b="1" i="0" u="none" strike="noStrike" cap="none" normalizeH="0" baseline="0" dirty="0">
-                <a:ln>
-                  <a:noFill/>
-                </a:ln>
-                <a:solidFill>
-                  <a:schemeClr val="tx1"/>
-                </a:solidFill>
-                <a:effectLst/>
-              </a:rPr>
-              <a:t>Tokenization</a:t>
-            </a:r>
-            <a:r>
-              <a:rPr kumimoji="0" lang="en-KE" altLang="en-KE" sz="2400" b="0" i="0" u="none" strike="noStrike" cap="none" normalizeH="0" baseline="0" dirty="0">
-                <a:ln>
-                  <a:noFill/>
-                </a:ln>
-                <a:solidFill>
-                  <a:schemeClr val="tx1"/>
-                </a:solidFill>
-                <a:effectLst/>
-              </a:rPr>
-              <a:t>: Uses spaCy to split text into tokens. </a:t>
-            </a:r>
-            <a:endParaRPr kumimoji="0" lang="en-US" altLang="en-KE" sz="2400" b="1" i="0" u="none" strike="noStrike" cap="none" normalizeH="0" baseline="0" dirty="0">
-              <a:ln>
-                <a:noFill/>
-              </a:ln>
-              <a:solidFill>
-                <a:schemeClr val="tx1"/>
-              </a:solidFill>
-              <a:effectLst/>
-            </a:endParaRPr>
-          </a:p>
-          <a:p>
-            <a:pPr marL="0" marR="0" lvl="0" indent="0" algn="l" defTabSz="914400" rtl="0" eaLnBrk="0" fontAlgn="base" latinLnBrk="0" hangingPunct="0">
-              <a:lnSpc>
-                <a:spcPct val="100000"/>
-              </a:lnSpc>
-              <a:spcBef>
-                <a:spcPct val="0"/>
-              </a:spcBef>
-              <a:spcAft>
-                <a:spcPct val="0"/>
-              </a:spcAft>
-              <a:buClrTx/>
-              <a:buSzTx/>
-              <a:buFontTx/>
-              <a:buNone/>
-              <a:tabLst/>
-            </a:pPr>
-            <a:r>
-              <a:rPr kumimoji="0" lang="en-KE" altLang="en-KE" sz="2400" b="1" i="0" u="none" strike="noStrike" cap="none" normalizeH="0" baseline="0" dirty="0">
-                <a:ln>
-                  <a:noFill/>
-                </a:ln>
-                <a:solidFill>
-                  <a:schemeClr val="tx1"/>
-                </a:solidFill>
-                <a:effectLst/>
-              </a:rPr>
-              <a:t>BIO Tagging</a:t>
-            </a:r>
-            <a:r>
-              <a:rPr kumimoji="0" lang="en-KE" altLang="en-KE" sz="2400" b="0" i="0" u="none" strike="noStrike" cap="none" normalizeH="0" baseline="0" dirty="0">
-                <a:ln>
-                  <a:noFill/>
-                </a:ln>
-                <a:solidFill>
-                  <a:schemeClr val="tx1"/>
-                </a:solidFill>
-                <a:effectLst/>
-              </a:rPr>
-              <a:t>: Assigns B- (Beginning) and I- (Inside) tags to multi-word entities </a:t>
-            </a:r>
-          </a:p>
-        </p:txBody>
-      </p:sp>
     </p:spTree>
     <p:extLst>
       <p:ext uri="{BB962C8B-B14F-4D97-AF65-F5344CB8AC3E}">
-        <p14:creationId xmlns:p14="http://schemas.microsoft.com/office/powerpoint/2010/main" val="2155805929"/>
+        <p14:creationId xmlns:p14="http://schemas.microsoft.com/office/powerpoint/2010/main" val="2498426390"/>
       </p:ext>
     </p:extLst>
   </p:cSld>
@@ -4032,12 +3780,48 @@
           <a:chExt cx="0" cy="0"/>
         </a:xfrm>
       </p:grpSpPr>
+      <p:pic>
+        <p:nvPicPr>
+          <p:cNvPr id="7" name="Picture 6">
+            <a:extLst>
+              <a:ext uri="{FF2B5EF4-FFF2-40B4-BE49-F238E27FC236}">
+                <a16:creationId xmlns:a16="http://schemas.microsoft.com/office/drawing/2014/main" id="{E4F928F3-3AA5-44FA-B375-291E86651C67}"/>
+              </a:ext>
+            </a:extLst>
+          </p:cNvPr>
+          <p:cNvPicPr>
+            <a:picLocks noChangeAspect="1"/>
+          </p:cNvPicPr>
+          <p:nvPr/>
+        </p:nvPicPr>
+        <p:blipFill>
+          <a:blip r:embed="rId2">
+            <a:extLst>
+              <a:ext uri="{28A0092B-C50C-407E-A947-70E740481C1C}">
+                <a14:useLocalDpi xmlns:a14="http://schemas.microsoft.com/office/drawing/2010/main" val="0"/>
+              </a:ext>
+            </a:extLst>
+          </a:blip>
+          <a:stretch>
+            <a:fillRect/>
+          </a:stretch>
+        </p:blipFill>
+        <p:spPr>
+          <a:xfrm>
+            <a:off x="0" y="0"/>
+            <a:ext cx="12192001" cy="6858000"/>
+          </a:xfrm>
+          <a:prstGeom prst="rect">
+            <a:avLst/>
+          </a:prstGeom>
+        </p:spPr>
+      </p:pic>
       <p:sp>
         <p:nvSpPr>
           <p:cNvPr id="3" name="TextBox 2">
             <a:extLst>
               <a:ext uri="{FF2B5EF4-FFF2-40B4-BE49-F238E27FC236}">
-                <a16:creationId xmlns:a16="http://schemas.microsoft.com/office/drawing/2014/main" id="{5F7E9760-4EDE-43AD-AB40-5A52FF8FFA21}"/>
+                <a16:creationId xmlns:a16="http://schemas.microsoft.com/office/drawing/2014/main" id="{77316098-DCE8-481A-BDE0-D2F36FCB1DC3}"/>
               </a:ext>
             </a:extLst>
           </p:cNvPr>
@@ -4046,8 +3830,8 @@
         </p:nvSpPr>
         <p:spPr>
           <a:xfrm>
-            <a:off x="786427" y="313137"/>
-            <a:ext cx="6096000" cy="707886"/>
+            <a:off x="1060228" y="494092"/>
+            <a:ext cx="6930887" cy="1323439"/>
           </a:xfrm>
           <a:prstGeom prst="rect">
             <a:avLst/>
@@ -4067,267 +3851,229 @@
                 </a:solidFill>
                 <a:latin typeface="PublicSans-Bold"/>
               </a:rPr>
-              <a:t>Modeling</a:t>
+              <a:t>Modeling data preparation: formatted JSON data tokens. </a:t>
             </a:r>
             <a:endParaRPr lang="en-KE" sz="4000" dirty="0"/>
           </a:p>
         </p:txBody>
       </p:sp>
-      <p:sp>
-        <p:nvSpPr>
-          <p:cNvPr id="2" name="TextBox 1">
-            <a:extLst>
-              <a:ext uri="{FF2B5EF4-FFF2-40B4-BE49-F238E27FC236}">
-                <a16:creationId xmlns:a16="http://schemas.microsoft.com/office/drawing/2014/main" id="{BF527CA7-343E-4F2E-B084-C22C1F33D0D3}"/>
-              </a:ext>
-            </a:extLst>
-          </p:cNvPr>
-          <p:cNvSpPr txBox="1"/>
+      <p:pic>
+        <p:nvPicPr>
+          <p:cNvPr id="5" name="Picture 4">
+            <a:extLst>
+              <a:ext uri="{FF2B5EF4-FFF2-40B4-BE49-F238E27FC236}">
+                <a16:creationId xmlns:a16="http://schemas.microsoft.com/office/drawing/2014/main" id="{154A4421-5D20-4C1E-80F9-696FF8E31637}"/>
+              </a:ext>
+            </a:extLst>
+          </p:cNvPr>
+          <p:cNvPicPr>
+            <a:picLocks noChangeAspect="1"/>
+          </p:cNvPicPr>
           <p:nvPr/>
-        </p:nvSpPr>
-        <p:spPr>
-          <a:xfrm>
-            <a:off x="786427" y="1352952"/>
-            <a:ext cx="6265370" cy="369332"/>
+        </p:nvPicPr>
+        <p:blipFill>
+          <a:blip r:embed="rId3">
+            <a:extLst>
+              <a:ext uri="{28A0092B-C50C-407E-A947-70E740481C1C}">
+                <a14:useLocalDpi xmlns:a14="http://schemas.microsoft.com/office/drawing/2010/main" val="0"/>
+              </a:ext>
+            </a:extLst>
+          </a:blip>
+          <a:stretch>
+            <a:fillRect/>
+          </a:stretch>
+        </p:blipFill>
+        <p:spPr>
+          <a:xfrm>
+            <a:off x="1060228" y="3020305"/>
+            <a:ext cx="10071543" cy="2114411"/>
+          </a:xfrm>
+          <a:prstGeom prst="rect">
+            <a:avLst/>
+          </a:prstGeom>
+        </p:spPr>
+      </p:pic>
+      <p:sp>
+        <p:nvSpPr>
+          <p:cNvPr id="9" name="Rectangle 1">
+            <a:extLst>
+              <a:ext uri="{FF2B5EF4-FFF2-40B4-BE49-F238E27FC236}">
+                <a16:creationId xmlns:a16="http://schemas.microsoft.com/office/drawing/2014/main" id="{DF452F6E-A62E-46B8-B7C9-96391A30402B}"/>
+              </a:ext>
+            </a:extLst>
+          </p:cNvPr>
+          <p:cNvSpPr>
+            <a:spLocks noChangeArrowheads="1"/>
+          </p:cNvSpPr>
+          <p:nvPr/>
+        </p:nvSpPr>
+        <p:spPr bwMode="auto">
+          <a:xfrm>
+            <a:off x="1060228" y="1817531"/>
+            <a:ext cx="10526793" cy="1200329"/>
           </a:xfrm>
           <a:prstGeom prst="rect">
             <a:avLst/>
           </a:prstGeom>
           <a:noFill/>
-        </p:spPr>
-        <p:txBody>
-          <a:bodyPr wrap="none" rtlCol="0">
+          <a:ln>
+            <a:noFill/>
+          </a:ln>
+          <a:effectLst/>
+          <a:extLst>
+            <a:ext uri="{909E8E84-426E-40DD-AFC4-6F175D3DCCD1}">
+              <a14:hiddenFill xmlns:a14="http://schemas.microsoft.com/office/drawing/2010/main">
+                <a:solidFill>
+                  <a:schemeClr val="accent1"/>
+                </a:solidFill>
+              </a14:hiddenFill>
+            </a:ext>
+            <a:ext uri="{91240B29-F687-4F45-9708-019B960494DF}">
+              <a14:hiddenLine xmlns:a14="http://schemas.microsoft.com/office/drawing/2010/main" w="9525">
+                <a:solidFill>
+                  <a:schemeClr val="tx1"/>
+                </a:solidFill>
+                <a:miter lim="800000"/>
+                <a:headEnd/>
+                <a:tailEnd/>
+              </a14:hiddenLine>
+            </a:ext>
+            <a:ext uri="{AF507438-7753-43E0-B8FC-AC1667EBCBE1}">
+              <a14:hiddenEffects xmlns:a14="http://schemas.microsoft.com/office/drawing/2010/main">
+                <a:effectLst>
+                  <a:outerShdw dist="35921" dir="2700000" algn="ctr" rotWithShape="0">
+                    <a:schemeClr val="bg2"/>
+                  </a:outerShdw>
+                </a:effectLst>
+              </a14:hiddenEffects>
+            </a:ext>
+          </a:extLst>
+        </p:spPr>
+        <p:txBody>
+          <a:bodyPr vert="horz" wrap="none" lIns="91440" tIns="45720" rIns="91440" bIns="45720" numCol="1" anchor="ctr" anchorCtr="0" compatLnSpc="1">
+            <a:prstTxWarp prst="textNoShape">
+              <a:avLst/>
+            </a:prstTxWarp>
             <a:spAutoFit/>
           </a:bodyPr>
           <a:lstStyle/>
           <a:p>
-            <a:r>
-              <a:rPr lang="en-US" dirty="0"/>
-              <a:t> A pretrained BERT model was used for Named Entity Recognition</a:t>
-            </a:r>
-            <a:endParaRPr lang="en-KE" dirty="0"/>
-          </a:p>
-        </p:txBody>
-      </p:sp>
-      <p:sp>
-        <p:nvSpPr>
-          <p:cNvPr id="4" name="TextBox 3">
-            <a:extLst>
-              <a:ext uri="{FF2B5EF4-FFF2-40B4-BE49-F238E27FC236}">
-                <a16:creationId xmlns:a16="http://schemas.microsoft.com/office/drawing/2014/main" id="{130F4A58-8604-4B1C-A324-7F44C0FEF214}"/>
-              </a:ext>
-            </a:extLst>
-          </p:cNvPr>
-          <p:cNvSpPr txBox="1"/>
-          <p:nvPr/>
-        </p:nvSpPr>
-        <p:spPr>
-          <a:xfrm>
-            <a:off x="786427" y="1999994"/>
-            <a:ext cx="10491173" cy="3693319"/>
-          </a:xfrm>
-          <a:prstGeom prst="rect">
-            <a:avLst/>
-          </a:prstGeom>
-          <a:noFill/>
-        </p:spPr>
-        <p:txBody>
-          <a:bodyPr wrap="square" rtlCol="0">
-            <a:spAutoFit/>
-          </a:bodyPr>
-          <a:lstStyle/>
-          <a:p>
-            <a:r>
-              <a:rPr lang="en-US" dirty="0">
-                <a:solidFill>
-                  <a:schemeClr val="bg2">
-                    <a:lumMod val="25000"/>
-                  </a:schemeClr>
-                </a:solidFill>
-              </a:rPr>
-              <a:t>BERT (Bidirectional Encoder Representations from Transformers), is a natural language processing (NLP) </a:t>
-            </a:r>
-          </a:p>
-          <a:p>
-            <a:r>
-              <a:rPr lang="en-US" dirty="0">
-                <a:solidFill>
-                  <a:schemeClr val="bg2">
-                    <a:lumMod val="25000"/>
-                  </a:schemeClr>
-                </a:solidFill>
-              </a:rPr>
-              <a:t>model. It’s designed to understand the context of words in a sentence by considering</a:t>
-            </a:r>
-          </a:p>
-          <a:p>
-            <a:r>
-              <a:rPr lang="en-US" dirty="0">
-                <a:solidFill>
-                  <a:schemeClr val="bg2">
-                    <a:lumMod val="25000"/>
-                  </a:schemeClr>
-                </a:solidFill>
-              </a:rPr>
-              <a:t>both the left and right surrounding words. Unlike traditional models that read text sequentially</a:t>
-            </a:r>
-          </a:p>
-          <a:p>
-            <a:r>
-              <a:rPr lang="en-US" dirty="0">
-                <a:solidFill>
-                  <a:schemeClr val="bg2">
-                    <a:lumMod val="25000"/>
-                  </a:schemeClr>
-                </a:solidFill>
-              </a:rPr>
-              <a:t>(left-to-right or right-to-left), BERT processes text in both directions, enabling it to capture the deeper meaning</a:t>
-            </a:r>
-          </a:p>
-          <a:p>
-            <a:r>
-              <a:rPr lang="en-US" dirty="0">
-                <a:solidFill>
-                  <a:schemeClr val="bg2">
-                    <a:lumMod val="25000"/>
-                  </a:schemeClr>
-                </a:solidFill>
-              </a:rPr>
-              <a:t>and nuances of words.</a:t>
-            </a:r>
-          </a:p>
-          <a:p>
-            <a:endParaRPr lang="en-US" dirty="0">
+            <a:pPr marL="0" marR="0" lvl="0" indent="0" algn="l" defTabSz="914400" rtl="0" eaLnBrk="0" fontAlgn="base" latinLnBrk="0" hangingPunct="0">
+              <a:lnSpc>
+                <a:spcPct val="100000"/>
+              </a:lnSpc>
+              <a:spcBef>
+                <a:spcPct val="0"/>
+              </a:spcBef>
+              <a:spcAft>
+                <a:spcPct val="0"/>
+              </a:spcAft>
+              <a:buClrTx/>
+              <a:buSzTx/>
+              <a:buFontTx/>
+              <a:buNone/>
+              <a:tabLst/>
+            </a:pPr>
+            <a:r>
+              <a:rPr lang="en-US" sz="2400" b="1" dirty="0"/>
+              <a:t>Sentence Formation</a:t>
+            </a:r>
+            <a:r>
+              <a:rPr lang="en-US" sz="2400" dirty="0"/>
+              <a:t>: Combines all resume fields into a single sequence per record.</a:t>
+            </a:r>
+          </a:p>
+          <a:p>
+            <a:pPr eaLnBrk="0" fontAlgn="base" hangingPunct="0">
+              <a:spcBef>
+                <a:spcPct val="0"/>
+              </a:spcBef>
+              <a:spcAft>
+                <a:spcPct val="0"/>
+              </a:spcAft>
+            </a:pPr>
+            <a:r>
+              <a:rPr kumimoji="0" lang="en-KE" altLang="en-KE" sz="2400" b="1" i="0" u="none" strike="noStrike" cap="none" normalizeH="0" baseline="0" dirty="0">
+                <a:ln>
+                  <a:noFill/>
+                </a:ln>
+                <a:solidFill>
+                  <a:schemeClr val="tx1"/>
+                </a:solidFill>
+                <a:effectLst/>
+              </a:rPr>
+              <a:t>Tokenization</a:t>
+            </a:r>
+            <a:r>
+              <a:rPr kumimoji="0" lang="en-KE" altLang="en-KE" sz="2400" b="0" i="0" u="none" strike="noStrike" cap="none" normalizeH="0" baseline="0" dirty="0">
+                <a:ln>
+                  <a:noFill/>
+                </a:ln>
+                <a:solidFill>
+                  <a:schemeClr val="tx1"/>
+                </a:solidFill>
+                <a:effectLst/>
+              </a:rPr>
+              <a:t>: Uses spaCy to split text into tokens. </a:t>
+            </a:r>
+            <a:endParaRPr kumimoji="0" lang="en-US" altLang="en-KE" sz="2400" b="1" i="0" u="none" strike="noStrike" cap="none" normalizeH="0" baseline="0" dirty="0">
+              <a:ln>
+                <a:noFill/>
+              </a:ln>
               <a:solidFill>
-                <a:schemeClr val="bg2">
-                  <a:lumMod val="25000"/>
-                </a:schemeClr>
+                <a:schemeClr val="tx1"/>
               </a:solidFill>
+              <a:effectLst/>
             </a:endParaRPr>
           </a:p>
           <a:p>
-            <a:pPr>
-              <a:buFont typeface="Arial" panose="020B0604020202020204" pitchFamily="34" charset="0"/>
-              <a:buChar char="•"/>
+            <a:pPr marL="0" marR="0" lvl="0" indent="0" algn="l" defTabSz="914400" rtl="0" eaLnBrk="0" fontAlgn="base" latinLnBrk="0" hangingPunct="0">
+              <a:lnSpc>
+                <a:spcPct val="100000"/>
+              </a:lnSpc>
+              <a:spcBef>
+                <a:spcPct val="0"/>
+              </a:spcBef>
+              <a:spcAft>
+                <a:spcPct val="0"/>
+              </a:spcAft>
+              <a:buClrTx/>
+              <a:buSzTx/>
+              <a:buFontTx/>
+              <a:buNone/>
+              <a:tabLst/>
             </a:pPr>
             <a:r>
-              <a:rPr lang="en-US" b="1" dirty="0">
-                <a:solidFill>
-                  <a:schemeClr val="bg2">
-                    <a:lumMod val="25000"/>
-                  </a:schemeClr>
-                </a:solidFill>
-              </a:rPr>
-              <a:t>Bidirectional Contextualization</a:t>
-            </a:r>
-            <a:r>
-              <a:rPr lang="en-US" dirty="0">
-                <a:solidFill>
-                  <a:schemeClr val="bg2">
-                    <a:lumMod val="25000"/>
-                  </a:schemeClr>
-                </a:solidFill>
-              </a:rPr>
-              <a:t>: BERT uses a transformer architecture to read the entire sequence of words at </a:t>
-            </a:r>
-          </a:p>
-          <a:p>
-            <a:r>
-              <a:rPr lang="en-US" dirty="0">
-                <a:solidFill>
-                  <a:schemeClr val="bg2">
-                    <a:lumMod val="25000"/>
-                  </a:schemeClr>
-                </a:solidFill>
-              </a:rPr>
-              <a:t>once, which helps in understanding the context better.</a:t>
-            </a:r>
-          </a:p>
-          <a:p>
-            <a:pPr>
-              <a:buFont typeface="Arial" panose="020B0604020202020204" pitchFamily="34" charset="0"/>
-              <a:buChar char="•"/>
-            </a:pPr>
-            <a:r>
-              <a:rPr lang="en-US" b="1" dirty="0">
-                <a:solidFill>
-                  <a:schemeClr val="bg2">
-                    <a:lumMod val="25000"/>
-                  </a:schemeClr>
-                </a:solidFill>
-              </a:rPr>
-              <a:t>Pretraining and Fine-tuning</a:t>
-            </a:r>
-            <a:r>
-              <a:rPr lang="en-US" dirty="0">
-                <a:solidFill>
-                  <a:schemeClr val="bg2">
-                    <a:lumMod val="25000"/>
-                  </a:schemeClr>
-                </a:solidFill>
-              </a:rPr>
-              <a:t>: BERT is pretrained on large text corpora using unsupervised learning, making it </a:t>
-            </a:r>
-          </a:p>
-          <a:p>
-            <a:r>
-              <a:rPr lang="en-US" dirty="0">
-                <a:solidFill>
-                  <a:schemeClr val="bg2">
-                    <a:lumMod val="25000"/>
-                  </a:schemeClr>
-                </a:solidFill>
-              </a:rPr>
-              <a:t>highly versatile for named entity recognition.</a:t>
-            </a:r>
-          </a:p>
-          <a:p>
-            <a:pPr>
-              <a:buFont typeface="Arial" panose="020B0604020202020204" pitchFamily="34" charset="0"/>
-              <a:buChar char="•"/>
-            </a:pPr>
-            <a:r>
-              <a:rPr lang="en-US" b="1" dirty="0">
-                <a:solidFill>
-                  <a:schemeClr val="bg2">
-                    <a:lumMod val="25000"/>
-                  </a:schemeClr>
-                </a:solidFill>
-              </a:rPr>
-              <a:t>Transformers</a:t>
-            </a:r>
-            <a:r>
-              <a:rPr lang="en-US" dirty="0">
-                <a:solidFill>
-                  <a:schemeClr val="bg2">
-                    <a:lumMod val="25000"/>
-                  </a:schemeClr>
-                </a:solidFill>
-              </a:rPr>
-              <a:t>: The model is built on the transformer architecture, which relies on self-attention mechanisms</a:t>
-            </a:r>
-          </a:p>
-          <a:p>
-            <a:r>
-              <a:rPr lang="en-US" dirty="0">
-                <a:solidFill>
-                  <a:schemeClr val="bg2">
-                    <a:lumMod val="25000"/>
-                  </a:schemeClr>
-                </a:solidFill>
-              </a:rPr>
-              <a:t> to weigh the importance of different words in a sentence.</a:t>
-            </a:r>
-          </a:p>
-          <a:p>
-            <a:endParaRPr lang="en-KE" dirty="0"/>
+              <a:rPr kumimoji="0" lang="en-KE" altLang="en-KE" sz="2400" b="1" i="0" u="none" strike="noStrike" cap="none" normalizeH="0" baseline="0" dirty="0">
+                <a:ln>
+                  <a:noFill/>
+                </a:ln>
+                <a:solidFill>
+                  <a:schemeClr val="tx1"/>
+                </a:solidFill>
+                <a:effectLst/>
+              </a:rPr>
+              <a:t>BIO Tagging</a:t>
+            </a:r>
+            <a:r>
+              <a:rPr kumimoji="0" lang="en-KE" altLang="en-KE" sz="2400" b="0" i="0" u="none" strike="noStrike" cap="none" normalizeH="0" baseline="0" dirty="0">
+                <a:ln>
+                  <a:noFill/>
+                </a:ln>
+                <a:solidFill>
+                  <a:schemeClr val="tx1"/>
+                </a:solidFill>
+                <a:effectLst/>
+              </a:rPr>
+              <a:t>: Assigns B- (Beginning) and I- (Inside) tags to multi-word entities </a:t>
+            </a:r>
           </a:p>
         </p:txBody>
       </p:sp>
     </p:spTree>
     <p:extLst>
       <p:ext uri="{BB962C8B-B14F-4D97-AF65-F5344CB8AC3E}">
-        <p14:creationId xmlns:p14="http://schemas.microsoft.com/office/powerpoint/2010/main" val="1023953178"/>
+        <p14:creationId xmlns:p14="http://schemas.microsoft.com/office/powerpoint/2010/main" val="2155805929"/>
       </p:ext>
     </p:extLst>
   </p:cSld>
@@ -4354,48 +4100,12 @@
           <a:chExt cx="0" cy="0"/>
         </a:xfrm>
       </p:grpSpPr>
-      <p:pic>
-        <p:nvPicPr>
-          <p:cNvPr id="7" name="Picture 6">
-            <a:extLst>
-              <a:ext uri="{FF2B5EF4-FFF2-40B4-BE49-F238E27FC236}">
-                <a16:creationId xmlns:a16="http://schemas.microsoft.com/office/drawing/2014/main" id="{13969E6C-2A23-41C4-BEF4-1980F64801BE}"/>
-              </a:ext>
-            </a:extLst>
-          </p:cNvPr>
-          <p:cNvPicPr>
-            <a:picLocks noChangeAspect="1"/>
-          </p:cNvPicPr>
-          <p:nvPr/>
-        </p:nvPicPr>
-        <p:blipFill>
-          <a:blip r:embed="rId2">
-            <a:extLst>
-              <a:ext uri="{28A0092B-C50C-407E-A947-70E740481C1C}">
-                <a14:useLocalDpi xmlns:a14="http://schemas.microsoft.com/office/drawing/2010/main" val="0"/>
-              </a:ext>
-            </a:extLst>
-          </a:blip>
-          <a:stretch>
-            <a:fillRect/>
-          </a:stretch>
-        </p:blipFill>
-        <p:spPr>
-          <a:xfrm>
-            <a:off x="0" y="0"/>
-            <a:ext cx="12192000" cy="6858000"/>
-          </a:xfrm>
-          <a:prstGeom prst="rect">
-            <a:avLst/>
-          </a:prstGeom>
-        </p:spPr>
-      </p:pic>
       <p:sp>
         <p:nvSpPr>
           <p:cNvPr id="3" name="TextBox 2">
             <a:extLst>
               <a:ext uri="{FF2B5EF4-FFF2-40B4-BE49-F238E27FC236}">
-                <a16:creationId xmlns:a16="http://schemas.microsoft.com/office/drawing/2014/main" id="{26886CBF-A4F8-477B-BCE2-498CB06678DA}"/>
+                <a16:creationId xmlns:a16="http://schemas.microsoft.com/office/drawing/2014/main" id="{5F7E9760-4EDE-43AD-AB40-5A52FF8FFA21}"/>
               </a:ext>
             </a:extLst>
           </p:cNvPr>
@@ -4404,8 +4114,8 @@
         </p:nvSpPr>
         <p:spPr>
           <a:xfrm>
-            <a:off x="1815548" y="988099"/>
-            <a:ext cx="7315200" cy="1077218"/>
+            <a:off x="786427" y="313137"/>
+            <a:ext cx="6096000" cy="707886"/>
           </a:xfrm>
           <a:prstGeom prst="rect">
             <a:avLst/>
@@ -4419,58 +4129,273 @@
           <a:lstStyle/>
           <a:p>
             <a:r>
-              <a:rPr lang="en-US" sz="3200" b="1" i="0" u="none" strike="noStrike" baseline="0" dirty="0">
+              <a:rPr lang="en-US" sz="4000" b="1" i="0" u="none" strike="noStrike" baseline="0" dirty="0">
                 <a:solidFill>
                   <a:srgbClr val="222A9C"/>
                 </a:solidFill>
                 <a:latin typeface="PublicSans-Bold"/>
               </a:rPr>
-              <a:t>Modeling : Entity Extraction Results &amp; evaluation</a:t>
-            </a:r>
-            <a:endParaRPr lang="en-KE" sz="3200" dirty="0"/>
-          </a:p>
-        </p:txBody>
-      </p:sp>
-      <p:pic>
-        <p:nvPicPr>
-          <p:cNvPr id="5" name="Picture 4">
-            <a:extLst>
-              <a:ext uri="{FF2B5EF4-FFF2-40B4-BE49-F238E27FC236}">
-                <a16:creationId xmlns:a16="http://schemas.microsoft.com/office/drawing/2014/main" id="{BE70266D-308E-4969-A651-1910AC6D3974}"/>
-              </a:ext>
-            </a:extLst>
-          </p:cNvPr>
-          <p:cNvPicPr>
-            <a:picLocks noChangeAspect="1"/>
-          </p:cNvPicPr>
+              <a:t>Modeling</a:t>
+            </a:r>
+            <a:endParaRPr lang="en-KE" sz="4000" dirty="0"/>
+          </a:p>
+        </p:txBody>
+      </p:sp>
+      <p:sp>
+        <p:nvSpPr>
+          <p:cNvPr id="2" name="TextBox 1">
+            <a:extLst>
+              <a:ext uri="{FF2B5EF4-FFF2-40B4-BE49-F238E27FC236}">
+                <a16:creationId xmlns:a16="http://schemas.microsoft.com/office/drawing/2014/main" id="{BF527CA7-343E-4F2E-B084-C22C1F33D0D3}"/>
+              </a:ext>
+            </a:extLst>
+          </p:cNvPr>
+          <p:cNvSpPr txBox="1"/>
           <p:nvPr/>
-        </p:nvPicPr>
-        <p:blipFill>
-          <a:blip r:embed="rId3">
-            <a:extLst>
-              <a:ext uri="{28A0092B-C50C-407E-A947-70E740481C1C}">
-                <a14:useLocalDpi xmlns:a14="http://schemas.microsoft.com/office/drawing/2010/main" val="0"/>
-              </a:ext>
-            </a:extLst>
-          </a:blip>
-          <a:stretch>
-            <a:fillRect/>
-          </a:stretch>
-        </p:blipFill>
-        <p:spPr>
-          <a:xfrm>
-            <a:off x="1272209" y="2065317"/>
-            <a:ext cx="7500649" cy="3389974"/>
+        </p:nvSpPr>
+        <p:spPr>
+          <a:xfrm>
+            <a:off x="786427" y="1352952"/>
+            <a:ext cx="6265370" cy="369332"/>
           </a:xfrm>
           <a:prstGeom prst="rect">
             <a:avLst/>
           </a:prstGeom>
-        </p:spPr>
-      </p:pic>
+          <a:noFill/>
+        </p:spPr>
+        <p:txBody>
+          <a:bodyPr wrap="none" rtlCol="0">
+            <a:spAutoFit/>
+          </a:bodyPr>
+          <a:lstStyle/>
+          <a:p>
+            <a:r>
+              <a:rPr lang="en-US" dirty="0"/>
+              <a:t> A pretrained BERT model was used for Named Entity Recognition</a:t>
+            </a:r>
+            <a:endParaRPr lang="en-KE" dirty="0"/>
+          </a:p>
+        </p:txBody>
+      </p:sp>
+      <p:sp>
+        <p:nvSpPr>
+          <p:cNvPr id="4" name="TextBox 3">
+            <a:extLst>
+              <a:ext uri="{FF2B5EF4-FFF2-40B4-BE49-F238E27FC236}">
+                <a16:creationId xmlns:a16="http://schemas.microsoft.com/office/drawing/2014/main" id="{130F4A58-8604-4B1C-A324-7F44C0FEF214}"/>
+              </a:ext>
+            </a:extLst>
+          </p:cNvPr>
+          <p:cNvSpPr txBox="1"/>
+          <p:nvPr/>
+        </p:nvSpPr>
+        <p:spPr>
+          <a:xfrm>
+            <a:off x="786427" y="1999994"/>
+            <a:ext cx="10491173" cy="3693319"/>
+          </a:xfrm>
+          <a:prstGeom prst="rect">
+            <a:avLst/>
+          </a:prstGeom>
+          <a:noFill/>
+        </p:spPr>
+        <p:txBody>
+          <a:bodyPr wrap="square" rtlCol="0">
+            <a:spAutoFit/>
+          </a:bodyPr>
+          <a:lstStyle/>
+          <a:p>
+            <a:r>
+              <a:rPr lang="en-US" dirty="0">
+                <a:solidFill>
+                  <a:schemeClr val="bg2">
+                    <a:lumMod val="25000"/>
+                  </a:schemeClr>
+                </a:solidFill>
+              </a:rPr>
+              <a:t>BERT (Bidirectional Encoder Representations from Transformers), is a natural language processing (NLP) </a:t>
+            </a:r>
+          </a:p>
+          <a:p>
+            <a:r>
+              <a:rPr lang="en-US" dirty="0">
+                <a:solidFill>
+                  <a:schemeClr val="bg2">
+                    <a:lumMod val="25000"/>
+                  </a:schemeClr>
+                </a:solidFill>
+              </a:rPr>
+              <a:t>model. It’s designed to understand the context of words in a sentence by considering</a:t>
+            </a:r>
+          </a:p>
+          <a:p>
+            <a:r>
+              <a:rPr lang="en-US" dirty="0">
+                <a:solidFill>
+                  <a:schemeClr val="bg2">
+                    <a:lumMod val="25000"/>
+                  </a:schemeClr>
+                </a:solidFill>
+              </a:rPr>
+              <a:t>both the left and right surrounding words. Unlike traditional models that read text sequentially</a:t>
+            </a:r>
+          </a:p>
+          <a:p>
+            <a:r>
+              <a:rPr lang="en-US" dirty="0">
+                <a:solidFill>
+                  <a:schemeClr val="bg2">
+                    <a:lumMod val="25000"/>
+                  </a:schemeClr>
+                </a:solidFill>
+              </a:rPr>
+              <a:t>(left-to-right or right-to-left), BERT processes text in both directions, enabling it to capture the deeper meaning</a:t>
+            </a:r>
+          </a:p>
+          <a:p>
+            <a:r>
+              <a:rPr lang="en-US" dirty="0">
+                <a:solidFill>
+                  <a:schemeClr val="bg2">
+                    <a:lumMod val="25000"/>
+                  </a:schemeClr>
+                </a:solidFill>
+              </a:rPr>
+              <a:t>and nuances of words.</a:t>
+            </a:r>
+          </a:p>
+          <a:p>
+            <a:endParaRPr lang="en-US" dirty="0">
+              <a:solidFill>
+                <a:schemeClr val="bg2">
+                  <a:lumMod val="25000"/>
+                </a:schemeClr>
+              </a:solidFill>
+            </a:endParaRPr>
+          </a:p>
+          <a:p>
+            <a:pPr>
+              <a:buFont typeface="Arial" panose="020B0604020202020204" pitchFamily="34" charset="0"/>
+              <a:buChar char="•"/>
+            </a:pPr>
+            <a:r>
+              <a:rPr lang="en-US" b="1" dirty="0">
+                <a:solidFill>
+                  <a:schemeClr val="bg2">
+                    <a:lumMod val="25000"/>
+                  </a:schemeClr>
+                </a:solidFill>
+              </a:rPr>
+              <a:t>Bidirectional Contextualization</a:t>
+            </a:r>
+            <a:r>
+              <a:rPr lang="en-US" dirty="0">
+                <a:solidFill>
+                  <a:schemeClr val="bg2">
+                    <a:lumMod val="25000"/>
+                  </a:schemeClr>
+                </a:solidFill>
+              </a:rPr>
+              <a:t>: BERT uses a transformer architecture to read the entire sequence of words at </a:t>
+            </a:r>
+          </a:p>
+          <a:p>
+            <a:r>
+              <a:rPr lang="en-US" dirty="0">
+                <a:solidFill>
+                  <a:schemeClr val="bg2">
+                    <a:lumMod val="25000"/>
+                  </a:schemeClr>
+                </a:solidFill>
+              </a:rPr>
+              <a:t>once, which helps in understanding the context better.</a:t>
+            </a:r>
+          </a:p>
+          <a:p>
+            <a:pPr>
+              <a:buFont typeface="Arial" panose="020B0604020202020204" pitchFamily="34" charset="0"/>
+              <a:buChar char="•"/>
+            </a:pPr>
+            <a:r>
+              <a:rPr lang="en-US" b="1" dirty="0">
+                <a:solidFill>
+                  <a:schemeClr val="bg2">
+                    <a:lumMod val="25000"/>
+                  </a:schemeClr>
+                </a:solidFill>
+              </a:rPr>
+              <a:t>Pretraining and Fine-tuning</a:t>
+            </a:r>
+            <a:r>
+              <a:rPr lang="en-US" dirty="0">
+                <a:solidFill>
+                  <a:schemeClr val="bg2">
+                    <a:lumMod val="25000"/>
+                  </a:schemeClr>
+                </a:solidFill>
+              </a:rPr>
+              <a:t>: BERT is pretrained on large text corpora using unsupervised learning, making it </a:t>
+            </a:r>
+          </a:p>
+          <a:p>
+            <a:r>
+              <a:rPr lang="en-US" dirty="0">
+                <a:solidFill>
+                  <a:schemeClr val="bg2">
+                    <a:lumMod val="25000"/>
+                  </a:schemeClr>
+                </a:solidFill>
+              </a:rPr>
+              <a:t>highly versatile for named entity recognition.</a:t>
+            </a:r>
+          </a:p>
+          <a:p>
+            <a:pPr>
+              <a:buFont typeface="Arial" panose="020B0604020202020204" pitchFamily="34" charset="0"/>
+              <a:buChar char="•"/>
+            </a:pPr>
+            <a:r>
+              <a:rPr lang="en-US" b="1" dirty="0">
+                <a:solidFill>
+                  <a:schemeClr val="bg2">
+                    <a:lumMod val="25000"/>
+                  </a:schemeClr>
+                </a:solidFill>
+              </a:rPr>
+              <a:t>Transformers</a:t>
+            </a:r>
+            <a:r>
+              <a:rPr lang="en-US" dirty="0">
+                <a:solidFill>
+                  <a:schemeClr val="bg2">
+                    <a:lumMod val="25000"/>
+                  </a:schemeClr>
+                </a:solidFill>
+              </a:rPr>
+              <a:t>: The model is built on the transformer architecture, which relies on self-attention mechanisms</a:t>
+            </a:r>
+          </a:p>
+          <a:p>
+            <a:r>
+              <a:rPr lang="en-US" dirty="0">
+                <a:solidFill>
+                  <a:schemeClr val="bg2">
+                    <a:lumMod val="25000"/>
+                  </a:schemeClr>
+                </a:solidFill>
+              </a:rPr>
+              <a:t> to weigh the importance of different words in a sentence.</a:t>
+            </a:r>
+          </a:p>
+          <a:p>
+            <a:endParaRPr lang="en-KE" dirty="0"/>
+          </a:p>
+        </p:txBody>
+      </p:sp>
     </p:spTree>
     <p:extLst>
       <p:ext uri="{BB962C8B-B14F-4D97-AF65-F5344CB8AC3E}">
-        <p14:creationId xmlns:p14="http://schemas.microsoft.com/office/powerpoint/2010/main" val="553898546"/>
+        <p14:creationId xmlns:p14="http://schemas.microsoft.com/office/powerpoint/2010/main" val="1023953178"/>
       </p:ext>
     </p:extLst>
   </p:cSld>
@@ -4502,7 +4427,7 @@
           <p:cNvPr id="7" name="Picture 6">
             <a:extLst>
               <a:ext uri="{FF2B5EF4-FFF2-40B4-BE49-F238E27FC236}">
-                <a16:creationId xmlns:a16="http://schemas.microsoft.com/office/drawing/2014/main" id="{97707CEA-52D7-4346-B481-FE5BF2CA5590}"/>
+                <a16:creationId xmlns:a16="http://schemas.microsoft.com/office/drawing/2014/main" id="{13969E6C-2A23-41C4-BEF4-1980F64801BE}"/>
               </a:ext>
             </a:extLst>
           </p:cNvPr>
@@ -4525,8 +4450,8 @@
         </p:blipFill>
         <p:spPr>
           <a:xfrm>
-            <a:off x="-1" y="0"/>
-            <a:ext cx="12192001" cy="6830585"/>
+            <a:off x="0" y="0"/>
+            <a:ext cx="12192000" cy="6858000"/>
           </a:xfrm>
           <a:prstGeom prst="rect">
             <a:avLst/>
@@ -4538,7 +4463,7 @@
           <p:cNvPr id="3" name="TextBox 2">
             <a:extLst>
               <a:ext uri="{FF2B5EF4-FFF2-40B4-BE49-F238E27FC236}">
-                <a16:creationId xmlns:a16="http://schemas.microsoft.com/office/drawing/2014/main" id="{C8236A5D-5253-4584-8D7C-60234BC838C2}"/>
+                <a16:creationId xmlns:a16="http://schemas.microsoft.com/office/drawing/2014/main" id="{26886CBF-A4F8-477B-BCE2-498CB06678DA}"/>
               </a:ext>
             </a:extLst>
           </p:cNvPr>
@@ -4547,8 +4472,8 @@
         </p:nvSpPr>
         <p:spPr>
           <a:xfrm>
-            <a:off x="1298713" y="1127299"/>
-            <a:ext cx="7275444" cy="523220"/>
+            <a:off x="1815548" y="988099"/>
+            <a:ext cx="7315200" cy="1077218"/>
           </a:xfrm>
           <a:prstGeom prst="rect">
             <a:avLst/>
@@ -4562,15 +4487,15 @@
           <a:lstStyle/>
           <a:p>
             <a:r>
-              <a:rPr lang="en-US" sz="2800" b="1" i="0" u="none" strike="noStrike" baseline="0" dirty="0">
+              <a:rPr lang="en-US" sz="3200" b="1" i="0" u="none" strike="noStrike" baseline="0" dirty="0">
                 <a:solidFill>
                   <a:srgbClr val="222A9C"/>
                 </a:solidFill>
                 <a:latin typeface="PublicSans-Bold"/>
               </a:rPr>
-              <a:t>Modeling : Resume Text Extraction Results</a:t>
-            </a:r>
-            <a:endParaRPr lang="en-KE" sz="2800" dirty="0"/>
+              <a:t>Modeling : Entity Extraction Results &amp; evaluation</a:t>
+            </a:r>
+            <a:endParaRPr lang="en-KE" sz="3200" dirty="0"/>
           </a:p>
         </p:txBody>
       </p:sp>
@@ -4579,7 +4504,7 @@
           <p:cNvPr id="5" name="Picture 4">
             <a:extLst>
               <a:ext uri="{FF2B5EF4-FFF2-40B4-BE49-F238E27FC236}">
-                <a16:creationId xmlns:a16="http://schemas.microsoft.com/office/drawing/2014/main" id="{35395232-CB1D-4359-ACCC-288F6AD4B822}"/>
+                <a16:creationId xmlns:a16="http://schemas.microsoft.com/office/drawing/2014/main" id="{BE70266D-308E-4969-A651-1910AC6D3974}"/>
               </a:ext>
             </a:extLst>
           </p:cNvPr>
@@ -4602,8 +4527,8 @@
         </p:blipFill>
         <p:spPr>
           <a:xfrm>
-            <a:off x="1400640" y="1859795"/>
-            <a:ext cx="9426385" cy="4553330"/>
+            <a:off x="1272209" y="2065317"/>
+            <a:ext cx="7500649" cy="3389974"/>
           </a:xfrm>
           <a:prstGeom prst="rect">
             <a:avLst/>
@@ -4613,7 +4538,7 @@
     </p:spTree>
     <p:extLst>
       <p:ext uri="{BB962C8B-B14F-4D97-AF65-F5344CB8AC3E}">
-        <p14:creationId xmlns:p14="http://schemas.microsoft.com/office/powerpoint/2010/main" val="3214094912"/>
+        <p14:creationId xmlns:p14="http://schemas.microsoft.com/office/powerpoint/2010/main" val="553898546"/>
       </p:ext>
     </p:extLst>
   </p:cSld>
@@ -4642,10 +4567,10 @@
       </p:grpSpPr>
       <p:pic>
         <p:nvPicPr>
-          <p:cNvPr id="5" name="Picture 4">
-            <a:extLst>
-              <a:ext uri="{FF2B5EF4-FFF2-40B4-BE49-F238E27FC236}">
-                <a16:creationId xmlns:a16="http://schemas.microsoft.com/office/drawing/2014/main" id="{2365BA38-9305-4081-96FA-CF2A496A376B}"/>
+          <p:cNvPr id="7" name="Picture 6">
+            <a:extLst>
+              <a:ext uri="{FF2B5EF4-FFF2-40B4-BE49-F238E27FC236}">
+                <a16:creationId xmlns:a16="http://schemas.microsoft.com/office/drawing/2014/main" id="{97707CEA-52D7-4346-B481-FE5BF2CA5590}"/>
               </a:ext>
             </a:extLst>
           </p:cNvPr>
@@ -4668,20 +4593,61 @@
         </p:blipFill>
         <p:spPr>
           <a:xfrm>
-            <a:off x="0" y="0"/>
-            <a:ext cx="12192000" cy="6858000"/>
+            <a:off x="-1" y="0"/>
+            <a:ext cx="12192001" cy="6830585"/>
           </a:xfrm>
           <a:prstGeom prst="rect">
             <a:avLst/>
           </a:prstGeom>
         </p:spPr>
       </p:pic>
+      <p:sp>
+        <p:nvSpPr>
+          <p:cNvPr id="3" name="TextBox 2">
+            <a:extLst>
+              <a:ext uri="{FF2B5EF4-FFF2-40B4-BE49-F238E27FC236}">
+                <a16:creationId xmlns:a16="http://schemas.microsoft.com/office/drawing/2014/main" id="{C8236A5D-5253-4584-8D7C-60234BC838C2}"/>
+              </a:ext>
+            </a:extLst>
+          </p:cNvPr>
+          <p:cNvSpPr txBox="1"/>
+          <p:nvPr/>
+        </p:nvSpPr>
+        <p:spPr>
+          <a:xfrm>
+            <a:off x="1298713" y="1127299"/>
+            <a:ext cx="7275444" cy="523220"/>
+          </a:xfrm>
+          <a:prstGeom prst="rect">
+            <a:avLst/>
+          </a:prstGeom>
+          <a:noFill/>
+        </p:spPr>
+        <p:txBody>
+          <a:bodyPr wrap="square">
+            <a:spAutoFit/>
+          </a:bodyPr>
+          <a:lstStyle/>
+          <a:p>
+            <a:r>
+              <a:rPr lang="en-US" sz="2800" b="1" i="0" u="none" strike="noStrike" baseline="0" dirty="0">
+                <a:solidFill>
+                  <a:srgbClr val="222A9C"/>
+                </a:solidFill>
+                <a:latin typeface="PublicSans-Bold"/>
+              </a:rPr>
+              <a:t>Modeling : Resume Text Extraction Results</a:t>
+            </a:r>
+            <a:endParaRPr lang="en-KE" sz="2800" dirty="0"/>
+          </a:p>
+        </p:txBody>
+      </p:sp>
       <p:pic>
         <p:nvPicPr>
-          <p:cNvPr id="3" name="Picture 2">
-            <a:extLst>
-              <a:ext uri="{FF2B5EF4-FFF2-40B4-BE49-F238E27FC236}">
-                <a16:creationId xmlns:a16="http://schemas.microsoft.com/office/drawing/2014/main" id="{C57E143B-82E3-4EEF-A07B-97F51EA80B9E}"/>
+          <p:cNvPr id="5" name="Picture 4">
+            <a:extLst>
+              <a:ext uri="{FF2B5EF4-FFF2-40B4-BE49-F238E27FC236}">
+                <a16:creationId xmlns:a16="http://schemas.microsoft.com/office/drawing/2014/main" id="{35395232-CB1D-4359-ACCC-288F6AD4B822}"/>
               </a:ext>
             </a:extLst>
           </p:cNvPr>
@@ -4704,59 +4670,18 @@
         </p:blipFill>
         <p:spPr>
           <a:xfrm>
-            <a:off x="840938" y="2809461"/>
-            <a:ext cx="10289525" cy="3096385"/>
+            <a:off x="1400640" y="1859795"/>
+            <a:ext cx="9426385" cy="4553330"/>
           </a:xfrm>
           <a:prstGeom prst="rect">
             <a:avLst/>
           </a:prstGeom>
         </p:spPr>
       </p:pic>
-      <p:sp>
-        <p:nvSpPr>
-          <p:cNvPr id="7" name="TextBox 6">
-            <a:extLst>
-              <a:ext uri="{FF2B5EF4-FFF2-40B4-BE49-F238E27FC236}">
-                <a16:creationId xmlns:a16="http://schemas.microsoft.com/office/drawing/2014/main" id="{68F43FF2-3340-4203-B500-9372BC22F096}"/>
-              </a:ext>
-            </a:extLst>
-          </p:cNvPr>
-          <p:cNvSpPr txBox="1"/>
-          <p:nvPr/>
-        </p:nvSpPr>
-        <p:spPr>
-          <a:xfrm>
-            <a:off x="735496" y="1857307"/>
-            <a:ext cx="9124121" cy="584775"/>
-          </a:xfrm>
-          <a:prstGeom prst="rect">
-            <a:avLst/>
-          </a:prstGeom>
-          <a:noFill/>
-        </p:spPr>
-        <p:txBody>
-          <a:bodyPr wrap="square">
-            <a:spAutoFit/>
-          </a:bodyPr>
-          <a:lstStyle/>
-          <a:p>
-            <a:r>
-              <a:rPr lang="en-US" sz="3200" b="1" i="0" u="none" strike="noStrike" baseline="0" dirty="0">
-                <a:solidFill>
-                  <a:srgbClr val="222A9C"/>
-                </a:solidFill>
-                <a:latin typeface="PublicSans-Bold"/>
-              </a:rPr>
-              <a:t>Modeling : Sample Resume NER Extraction Results</a:t>
-            </a:r>
-            <a:endParaRPr lang="en-KE" sz="3200" dirty="0"/>
-          </a:p>
-        </p:txBody>
-      </p:sp>
     </p:spTree>
     <p:extLst>
       <p:ext uri="{BB962C8B-B14F-4D97-AF65-F5344CB8AC3E}">
-        <p14:creationId xmlns:p14="http://schemas.microsoft.com/office/powerpoint/2010/main" val="1664938182"/>
+        <p14:creationId xmlns:p14="http://schemas.microsoft.com/office/powerpoint/2010/main" val="3214094912"/>
       </p:ext>
     </p:extLst>
   </p:cSld>
@@ -4783,53 +4708,12 @@
           <a:chExt cx="0" cy="0"/>
         </a:xfrm>
       </p:grpSpPr>
-      <p:sp>
-        <p:nvSpPr>
-          <p:cNvPr id="3" name="TextBox 2">
-            <a:extLst>
-              <a:ext uri="{FF2B5EF4-FFF2-40B4-BE49-F238E27FC236}">
-                <a16:creationId xmlns:a16="http://schemas.microsoft.com/office/drawing/2014/main" id="{DA3C41B7-32F6-4F58-B97F-FE1550F7F58D}"/>
-              </a:ext>
-            </a:extLst>
-          </p:cNvPr>
-          <p:cNvSpPr txBox="1"/>
-          <p:nvPr/>
-        </p:nvSpPr>
-        <p:spPr>
-          <a:xfrm>
-            <a:off x="1113181" y="1047786"/>
-            <a:ext cx="8083827" cy="523220"/>
-          </a:xfrm>
-          <a:prstGeom prst="rect">
-            <a:avLst/>
-          </a:prstGeom>
-          <a:noFill/>
-        </p:spPr>
-        <p:txBody>
-          <a:bodyPr wrap="square">
-            <a:spAutoFit/>
-          </a:bodyPr>
-          <a:lstStyle/>
-          <a:p>
-            <a:r>
-              <a:rPr lang="en-US" sz="2800" b="1" i="0" u="none" strike="noStrike" baseline="0" dirty="0">
-                <a:solidFill>
-                  <a:srgbClr val="222A9C"/>
-                </a:solidFill>
-                <a:latin typeface="PublicSans-Bold"/>
-              </a:rPr>
-              <a:t>Modeling : Sample Resume CV Scoring Output</a:t>
-            </a:r>
-            <a:endParaRPr lang="en-KE" sz="2800" dirty="0"/>
-          </a:p>
-        </p:txBody>
-      </p:sp>
       <p:pic>
         <p:nvPicPr>
           <p:cNvPr id="5" name="Picture 4">
             <a:extLst>
               <a:ext uri="{FF2B5EF4-FFF2-40B4-BE49-F238E27FC236}">
-                <a16:creationId xmlns:a16="http://schemas.microsoft.com/office/drawing/2014/main" id="{DD5D1558-F73B-498C-BF79-698B8011E16E}"/>
+                <a16:creationId xmlns:a16="http://schemas.microsoft.com/office/drawing/2014/main" id="{2365BA38-9305-4081-96FA-CF2A496A376B}"/>
               </a:ext>
             </a:extLst>
           </p:cNvPr>
@@ -4852,18 +4736,95 @@
         </p:blipFill>
         <p:spPr>
           <a:xfrm>
-            <a:off x="1113181" y="2051555"/>
-            <a:ext cx="9581323" cy="3942208"/>
+            <a:off x="0" y="0"/>
+            <a:ext cx="12192000" cy="6858000"/>
           </a:xfrm>
           <a:prstGeom prst="rect">
             <a:avLst/>
           </a:prstGeom>
         </p:spPr>
       </p:pic>
+      <p:pic>
+        <p:nvPicPr>
+          <p:cNvPr id="3" name="Picture 2">
+            <a:extLst>
+              <a:ext uri="{FF2B5EF4-FFF2-40B4-BE49-F238E27FC236}">
+                <a16:creationId xmlns:a16="http://schemas.microsoft.com/office/drawing/2014/main" id="{C57E143B-82E3-4EEF-A07B-97F51EA80B9E}"/>
+              </a:ext>
+            </a:extLst>
+          </p:cNvPr>
+          <p:cNvPicPr>
+            <a:picLocks noChangeAspect="1"/>
+          </p:cNvPicPr>
+          <p:nvPr/>
+        </p:nvPicPr>
+        <p:blipFill>
+          <a:blip r:embed="rId3">
+            <a:extLst>
+              <a:ext uri="{28A0092B-C50C-407E-A947-70E740481C1C}">
+                <a14:useLocalDpi xmlns:a14="http://schemas.microsoft.com/office/drawing/2010/main" val="0"/>
+              </a:ext>
+            </a:extLst>
+          </a:blip>
+          <a:stretch>
+            <a:fillRect/>
+          </a:stretch>
+        </p:blipFill>
+        <p:spPr>
+          <a:xfrm>
+            <a:off x="840938" y="2809461"/>
+            <a:ext cx="10289525" cy="3096385"/>
+          </a:xfrm>
+          <a:prstGeom prst="rect">
+            <a:avLst/>
+          </a:prstGeom>
+        </p:spPr>
+      </p:pic>
+      <p:sp>
+        <p:nvSpPr>
+          <p:cNvPr id="7" name="TextBox 6">
+            <a:extLst>
+              <a:ext uri="{FF2B5EF4-FFF2-40B4-BE49-F238E27FC236}">
+                <a16:creationId xmlns:a16="http://schemas.microsoft.com/office/drawing/2014/main" id="{68F43FF2-3340-4203-B500-9372BC22F096}"/>
+              </a:ext>
+            </a:extLst>
+          </p:cNvPr>
+          <p:cNvSpPr txBox="1"/>
+          <p:nvPr/>
+        </p:nvSpPr>
+        <p:spPr>
+          <a:xfrm>
+            <a:off x="735496" y="1857307"/>
+            <a:ext cx="9124121" cy="584775"/>
+          </a:xfrm>
+          <a:prstGeom prst="rect">
+            <a:avLst/>
+          </a:prstGeom>
+          <a:noFill/>
+        </p:spPr>
+        <p:txBody>
+          <a:bodyPr wrap="square">
+            <a:spAutoFit/>
+          </a:bodyPr>
+          <a:lstStyle/>
+          <a:p>
+            <a:r>
+              <a:rPr lang="en-US" sz="3200" b="1" i="0" u="none" strike="noStrike" baseline="0" dirty="0">
+                <a:solidFill>
+                  <a:srgbClr val="222A9C"/>
+                </a:solidFill>
+                <a:latin typeface="PublicSans-Bold"/>
+              </a:rPr>
+              <a:t>Modeling : Sample Resume NER Extraction Results</a:t>
+            </a:r>
+            <a:endParaRPr lang="en-KE" sz="3200" dirty="0"/>
+          </a:p>
+        </p:txBody>
+      </p:sp>
     </p:spTree>
     <p:extLst>
       <p:ext uri="{BB962C8B-B14F-4D97-AF65-F5344CB8AC3E}">
-        <p14:creationId xmlns:p14="http://schemas.microsoft.com/office/powerpoint/2010/main" val="2606247272"/>
+        <p14:creationId xmlns:p14="http://schemas.microsoft.com/office/powerpoint/2010/main" val="1664938182"/>
       </p:ext>
     </p:extLst>
   </p:cSld>
@@ -4890,12 +4851,53 @@
           <a:chExt cx="0" cy="0"/>
         </a:xfrm>
       </p:grpSpPr>
+      <p:sp>
+        <p:nvSpPr>
+          <p:cNvPr id="3" name="TextBox 2">
+            <a:extLst>
+              <a:ext uri="{FF2B5EF4-FFF2-40B4-BE49-F238E27FC236}">
+                <a16:creationId xmlns:a16="http://schemas.microsoft.com/office/drawing/2014/main" id="{DA3C41B7-32F6-4F58-B97F-FE1550F7F58D}"/>
+              </a:ext>
+            </a:extLst>
+          </p:cNvPr>
+          <p:cNvSpPr txBox="1"/>
+          <p:nvPr/>
+        </p:nvSpPr>
+        <p:spPr>
+          <a:xfrm>
+            <a:off x="1113181" y="1047786"/>
+            <a:ext cx="8083827" cy="523220"/>
+          </a:xfrm>
+          <a:prstGeom prst="rect">
+            <a:avLst/>
+          </a:prstGeom>
+          <a:noFill/>
+        </p:spPr>
+        <p:txBody>
+          <a:bodyPr wrap="square">
+            <a:spAutoFit/>
+          </a:bodyPr>
+          <a:lstStyle/>
+          <a:p>
+            <a:r>
+              <a:rPr lang="en-US" sz="2800" b="1" i="0" u="none" strike="noStrike" baseline="0" dirty="0">
+                <a:solidFill>
+                  <a:srgbClr val="222A9C"/>
+                </a:solidFill>
+                <a:latin typeface="PublicSans-Bold"/>
+              </a:rPr>
+              <a:t>Modeling : Sample Resume CV Scoring Output</a:t>
+            </a:r>
+            <a:endParaRPr lang="en-KE" sz="2800" dirty="0"/>
+          </a:p>
+        </p:txBody>
+      </p:sp>
       <p:pic>
         <p:nvPicPr>
-          <p:cNvPr id="6" name="Picture 5">
-            <a:extLst>
-              <a:ext uri="{FF2B5EF4-FFF2-40B4-BE49-F238E27FC236}">
-                <a16:creationId xmlns:a16="http://schemas.microsoft.com/office/drawing/2014/main" id="{F050BB25-0CE6-4D6D-A409-49627E402A45}"/>
+          <p:cNvPr id="5" name="Picture 4">
+            <a:extLst>
+              <a:ext uri="{FF2B5EF4-FFF2-40B4-BE49-F238E27FC236}">
+                <a16:creationId xmlns:a16="http://schemas.microsoft.com/office/drawing/2014/main" id="{DD5D1558-F73B-498C-BF79-698B8011E16E}"/>
               </a:ext>
             </a:extLst>
           </p:cNvPr>
@@ -4918,107 +4920,18 @@
         </p:blipFill>
         <p:spPr>
           <a:xfrm>
-            <a:off x="0" y="0"/>
-            <a:ext cx="12192000" cy="6858000"/>
+            <a:off x="1113181" y="2051555"/>
+            <a:ext cx="9581323" cy="3942208"/>
           </a:xfrm>
           <a:prstGeom prst="rect">
             <a:avLst/>
           </a:prstGeom>
         </p:spPr>
       </p:pic>
-      <p:sp>
-        <p:nvSpPr>
-          <p:cNvPr id="3" name="TextBox 2">
-            <a:extLst>
-              <a:ext uri="{FF2B5EF4-FFF2-40B4-BE49-F238E27FC236}">
-                <a16:creationId xmlns:a16="http://schemas.microsoft.com/office/drawing/2014/main" id="{80327505-F0BE-4036-9F77-A6BF9B183704}"/>
-              </a:ext>
-            </a:extLst>
-          </p:cNvPr>
-          <p:cNvSpPr txBox="1"/>
-          <p:nvPr/>
-        </p:nvSpPr>
-        <p:spPr>
-          <a:xfrm>
-            <a:off x="2382900" y="2505526"/>
-            <a:ext cx="6096000" cy="646331"/>
-          </a:xfrm>
-          <a:prstGeom prst="rect">
-            <a:avLst/>
-          </a:prstGeom>
-          <a:noFill/>
-        </p:spPr>
-        <p:txBody>
-          <a:bodyPr wrap="square">
-            <a:spAutoFit/>
-          </a:bodyPr>
-          <a:lstStyle/>
-          <a:p>
-            <a:r>
-              <a:rPr lang="en-US" sz="3600" b="1" i="0" u="none" strike="noStrike" baseline="0" dirty="0">
-                <a:solidFill>
-                  <a:srgbClr val="222A9C"/>
-                </a:solidFill>
-                <a:latin typeface="PublicSans-Bold"/>
-              </a:rPr>
-              <a:t>Streamlit App:</a:t>
-            </a:r>
-            <a:endParaRPr lang="en-KE" sz="3600" dirty="0"/>
-          </a:p>
-        </p:txBody>
-      </p:sp>
-      <p:sp>
-        <p:nvSpPr>
-          <p:cNvPr id="4" name="TextBox 3">
-            <a:extLst>
-              <a:ext uri="{FF2B5EF4-FFF2-40B4-BE49-F238E27FC236}">
-                <a16:creationId xmlns:a16="http://schemas.microsoft.com/office/drawing/2014/main" id="{2ACFEAE7-F601-43EB-A9BD-53C7911F5FE5}"/>
-              </a:ext>
-            </a:extLst>
-          </p:cNvPr>
-          <p:cNvSpPr txBox="1"/>
-          <p:nvPr/>
-        </p:nvSpPr>
-        <p:spPr>
-          <a:xfrm>
-            <a:off x="2382900" y="3429000"/>
-            <a:ext cx="6455678" cy="1384995"/>
-          </a:xfrm>
-          <a:prstGeom prst="rect">
-            <a:avLst/>
-          </a:prstGeom>
-          <a:noFill/>
-        </p:spPr>
-        <p:txBody>
-          <a:bodyPr wrap="none" rtlCol="0">
-            <a:spAutoFit/>
-          </a:bodyPr>
-          <a:lstStyle/>
-          <a:p>
-            <a:r>
-              <a:rPr lang="en-US" sz="2800" dirty="0"/>
-              <a:t>A streamlit app was developed for Model </a:t>
-            </a:r>
-          </a:p>
-          <a:p>
-            <a:r>
-              <a:rPr lang="en-US" sz="2800" dirty="0"/>
-              <a:t>deployment to allow an interactive </a:t>
-            </a:r>
-          </a:p>
-          <a:p>
-            <a:r>
-              <a:rPr lang="en-US" sz="2800" dirty="0"/>
-              <a:t>Visualization of the Resume Parsing Project</a:t>
-            </a:r>
-            <a:endParaRPr lang="en-KE" sz="2800" dirty="0"/>
-          </a:p>
-        </p:txBody>
-      </p:sp>
     </p:spTree>
     <p:extLst>
       <p:ext uri="{BB962C8B-B14F-4D97-AF65-F5344CB8AC3E}">
-        <p14:creationId xmlns:p14="http://schemas.microsoft.com/office/powerpoint/2010/main" val="3981884994"/>
+        <p14:creationId xmlns:p14="http://schemas.microsoft.com/office/powerpoint/2010/main" val="2606247272"/>
       </p:ext>
     </p:extLst>
   </p:cSld>
@@ -5047,10 +4960,10 @@
       </p:grpSpPr>
       <p:pic>
         <p:nvPicPr>
-          <p:cNvPr id="5" name="Picture 4">
-            <a:extLst>
-              <a:ext uri="{FF2B5EF4-FFF2-40B4-BE49-F238E27FC236}">
-                <a16:creationId xmlns:a16="http://schemas.microsoft.com/office/drawing/2014/main" id="{A03A03C4-4EA9-4E4B-ACAE-C103E511512C}"/>
+          <p:cNvPr id="6" name="Picture 5">
+            <a:extLst>
+              <a:ext uri="{FF2B5EF4-FFF2-40B4-BE49-F238E27FC236}">
+                <a16:creationId xmlns:a16="http://schemas.microsoft.com/office/drawing/2014/main" id="{F050BB25-0CE6-4D6D-A409-49627E402A45}"/>
               </a:ext>
             </a:extLst>
           </p:cNvPr>
@@ -5086,7 +4999,7 @@
           <p:cNvPr id="3" name="TextBox 2">
             <a:extLst>
               <a:ext uri="{FF2B5EF4-FFF2-40B4-BE49-F238E27FC236}">
-                <a16:creationId xmlns:a16="http://schemas.microsoft.com/office/drawing/2014/main" id="{EE39D505-CEF5-488E-AFB0-B00DC083CFA2}"/>
+                <a16:creationId xmlns:a16="http://schemas.microsoft.com/office/drawing/2014/main" id="{80327505-F0BE-4036-9F77-A6BF9B183704}"/>
               </a:ext>
             </a:extLst>
           </p:cNvPr>
@@ -5095,8 +5008,8 @@
         </p:nvSpPr>
         <p:spPr>
           <a:xfrm>
-            <a:off x="914399" y="2200726"/>
-            <a:ext cx="9250018" cy="2862322"/>
+            <a:off x="2382900" y="2505526"/>
+            <a:ext cx="6096000" cy="646331"/>
           </a:xfrm>
           <a:prstGeom prst="rect">
             <a:avLst/>
@@ -5110,48 +5023,208 @@
           <a:lstStyle/>
           <a:p>
             <a:r>
-              <a:rPr lang="en-US" sz="4400" b="1" i="0" u="none" strike="noStrike" baseline="0" dirty="0">
+              <a:rPr lang="en-US" sz="3600" b="1" i="0" u="none" strike="noStrike" baseline="0" dirty="0">
                 <a:solidFill>
                   <a:srgbClr val="222A9C"/>
                 </a:solidFill>
                 <a:latin typeface="PublicSans-Bold"/>
               </a:rPr>
-              <a:t>Future Improvements</a:t>
-            </a:r>
-          </a:p>
-          <a:p>
-            <a:r>
-              <a:rPr lang="en-US" sz="4000" dirty="0"/>
+              <a:t>Streamlit App:</a:t>
+            </a:r>
+            <a:endParaRPr lang="en-KE" sz="3600" dirty="0"/>
+          </a:p>
+        </p:txBody>
+      </p:sp>
+      <p:sp>
+        <p:nvSpPr>
+          <p:cNvPr id="4" name="TextBox 3">
+            <a:extLst>
+              <a:ext uri="{FF2B5EF4-FFF2-40B4-BE49-F238E27FC236}">
+                <a16:creationId xmlns:a16="http://schemas.microsoft.com/office/drawing/2014/main" id="{2ACFEAE7-F601-43EB-A9BD-53C7911F5FE5}"/>
+              </a:ext>
+            </a:extLst>
+          </p:cNvPr>
+          <p:cNvSpPr txBox="1"/>
+          <p:nvPr/>
+        </p:nvSpPr>
+        <p:spPr>
+          <a:xfrm>
+            <a:off x="2382900" y="3429000"/>
+            <a:ext cx="6455678" cy="1384995"/>
+          </a:xfrm>
+          <a:prstGeom prst="rect">
+            <a:avLst/>
+          </a:prstGeom>
+          <a:noFill/>
+        </p:spPr>
+        <p:txBody>
+          <a:bodyPr wrap="none" rtlCol="0">
+            <a:spAutoFit/>
+          </a:bodyPr>
+          <a:lstStyle/>
+          <a:p>
+            <a:r>
+              <a:rPr lang="en-US" sz="2800" dirty="0"/>
+              <a:t>A streamlit app was developed for Model </a:t>
+            </a:r>
+          </a:p>
+          <a:p>
+            <a:r>
+              <a:rPr lang="en-US" sz="2800" dirty="0"/>
+              <a:t>deployment to allow an interactive </a:t>
+            </a:r>
+          </a:p>
+          <a:p>
+            <a:r>
+              <a:rPr lang="en-US" sz="2800" dirty="0"/>
+              <a:t>Visualization of the Resume Parsing Project</a:t>
+            </a:r>
+            <a:endParaRPr lang="en-KE" sz="2800" dirty="0"/>
+          </a:p>
+        </p:txBody>
+      </p:sp>
+    </p:spTree>
+    <p:extLst>
+      <p:ext uri="{BB962C8B-B14F-4D97-AF65-F5344CB8AC3E}">
+        <p14:creationId xmlns:p14="http://schemas.microsoft.com/office/powerpoint/2010/main" val="3981884994"/>
+      </p:ext>
+    </p:extLst>
+  </p:cSld>
+  <p:clrMapOvr>
+    <a:masterClrMapping/>
+  </p:clrMapOvr>
+</p:sld>
+</file>
+
+<file path=ppt/slides/slide19.xml><?xml version="1.0" encoding="utf-8"?>
+<p:sld xmlns:a="http://schemas.openxmlformats.org/drawingml/2006/main" xmlns:r="http://schemas.openxmlformats.org/officeDocument/2006/relationships" xmlns:p="http://schemas.openxmlformats.org/presentationml/2006/main">
+  <p:cSld>
+    <p:spTree>
+      <p:nvGrpSpPr>
+        <p:cNvPr id="1" name=""/>
+        <p:cNvGrpSpPr/>
+        <p:nvPr/>
+      </p:nvGrpSpPr>
+      <p:grpSpPr>
+        <a:xfrm>
+          <a:off x="0" y="0"/>
+          <a:ext cx="0" cy="0"/>
+          <a:chOff x="0" y="0"/>
+          <a:chExt cx="0" cy="0"/>
+        </a:xfrm>
+      </p:grpSpPr>
+      <p:pic>
+        <p:nvPicPr>
+          <p:cNvPr id="5" name="Picture 4">
+            <a:extLst>
+              <a:ext uri="{FF2B5EF4-FFF2-40B4-BE49-F238E27FC236}">
+                <a16:creationId xmlns:a16="http://schemas.microsoft.com/office/drawing/2014/main" id="{1BCBDD22-917B-4A54-B519-0064EB107E47}"/>
+              </a:ext>
+            </a:extLst>
+          </p:cNvPr>
+          <p:cNvPicPr>
+            <a:picLocks noChangeAspect="1"/>
+          </p:cNvPicPr>
+          <p:nvPr/>
+        </p:nvPicPr>
+        <p:blipFill>
+          <a:blip r:embed="rId2">
+            <a:extLst>
+              <a:ext uri="{28A0092B-C50C-407E-A947-70E740481C1C}">
+                <a14:useLocalDpi xmlns:a14="http://schemas.microsoft.com/office/drawing/2010/main" val="0"/>
+              </a:ext>
+            </a:extLst>
+          </a:blip>
+          <a:stretch>
+            <a:fillRect/>
+          </a:stretch>
+        </p:blipFill>
+        <p:spPr>
+          <a:xfrm>
+            <a:off x="0" y="-1"/>
+            <a:ext cx="12192000" cy="6758609"/>
+          </a:xfrm>
+          <a:prstGeom prst="rect">
+            <a:avLst/>
+          </a:prstGeom>
+        </p:spPr>
+      </p:pic>
+      <p:sp>
+        <p:nvSpPr>
+          <p:cNvPr id="3" name="TextBox 2">
+            <a:extLst>
+              <a:ext uri="{FF2B5EF4-FFF2-40B4-BE49-F238E27FC236}">
+                <a16:creationId xmlns:a16="http://schemas.microsoft.com/office/drawing/2014/main" id="{2D9AD88F-97D9-4B15-93DE-A3416E75E161}"/>
+              </a:ext>
+            </a:extLst>
+          </p:cNvPr>
+          <p:cNvSpPr txBox="1"/>
+          <p:nvPr/>
+        </p:nvSpPr>
+        <p:spPr>
+          <a:xfrm>
+            <a:off x="1245702" y="1609108"/>
+            <a:ext cx="7991061" cy="2680093"/>
+          </a:xfrm>
+          <a:prstGeom prst="rect">
+            <a:avLst/>
+          </a:prstGeom>
+          <a:noFill/>
+        </p:spPr>
+        <p:txBody>
+          <a:bodyPr wrap="square">
+            <a:spAutoFit/>
+          </a:bodyPr>
+          <a:lstStyle/>
+          <a:p>
+            <a:r>
+              <a:rPr lang="en-US" sz="4000" b="1" i="0" u="none" strike="noStrike" baseline="0" dirty="0">
+                <a:solidFill>
+                  <a:srgbClr val="222A9C"/>
+                </a:solidFill>
+                <a:latin typeface="PublicSans-Bold"/>
+              </a:rPr>
+              <a:t>Challenges:</a:t>
+            </a:r>
+          </a:p>
+          <a:p>
+            <a:r>
+              <a:rPr lang="en-US" sz="2400" dirty="0"/>
               <a:t> </a:t>
             </a:r>
           </a:p>
           <a:p>
             <a:pPr marL="457200" indent="-457200">
+              <a:lnSpc>
+                <a:spcPct val="200000"/>
+              </a:lnSpc>
               <a:buFont typeface="Arial" panose="020B0604020202020204" pitchFamily="34" charset="0"/>
               <a:buChar char="•"/>
             </a:pPr>
             <a:r>
-              <a:rPr lang="en-US" sz="3200" dirty="0"/>
-              <a:t>Custom NER model training on a large labelled dataset.</a:t>
+              <a:rPr lang="en-US" sz="2800" dirty="0"/>
+              <a:t>Lack of compute capacity to use a larger dataset. </a:t>
             </a:r>
           </a:p>
           <a:p>
             <a:pPr marL="457200" indent="-457200">
+              <a:lnSpc>
+                <a:spcPct val="200000"/>
+              </a:lnSpc>
               <a:buFont typeface="Arial" panose="020B0604020202020204" pitchFamily="34" charset="0"/>
               <a:buChar char="•"/>
             </a:pPr>
             <a:r>
-              <a:rPr lang="en-US" sz="3200" dirty="0"/>
-              <a:t>Batch resume handling.</a:t>
-            </a:r>
-            <a:endParaRPr lang="en-KE" sz="3200" dirty="0"/>
+              <a:rPr lang="en-US" sz="2800" dirty="0"/>
+              <a:t>Poor Streamlit app deployment</a:t>
+            </a:r>
           </a:p>
         </p:txBody>
       </p:sp>
     </p:spTree>
     <p:extLst>
       <p:ext uri="{BB962C8B-B14F-4D97-AF65-F5344CB8AC3E}">
-        <p14:creationId xmlns:p14="http://schemas.microsoft.com/office/powerpoint/2010/main" val="2466497611"/>
+        <p14:creationId xmlns:p14="http://schemas.microsoft.com/office/powerpoint/2010/main" val="4181682908"/>
       </p:ext>
     </p:extLst>
   </p:cSld>
@@ -5292,7 +5365,7 @@
         <p:spPr>
           <a:xfrm>
             <a:off x="5353878" y="768626"/>
-            <a:ext cx="5897218" cy="5677645"/>
+            <a:ext cx="5897218" cy="5123647"/>
           </a:xfrm>
           <a:prstGeom prst="rect">
             <a:avLst/>
@@ -5392,30 +5465,6 @@
                 <a:cs typeface="Times New Roman" panose="02020603050405020304" pitchFamily="18" charset="0"/>
               </a:rPr>
               <a:t>Dataset Overview/Analysis</a:t>
-            </a:r>
-            <a:endParaRPr lang="en-KE" sz="2400" b="1" dirty="0">
-              <a:effectLst/>
-              <a:latin typeface="Calibri" panose="020F0502020204030204" pitchFamily="34" charset="0"/>
-              <a:ea typeface="Calibri" panose="020F0502020204030204" pitchFamily="34" charset="0"/>
-              <a:cs typeface="Times New Roman" panose="02020603050405020304" pitchFamily="18" charset="0"/>
-            </a:endParaRPr>
-          </a:p>
-          <a:p>
-            <a:pPr marL="342900" lvl="0" indent="-342900">
-              <a:lnSpc>
-                <a:spcPct val="150000"/>
-              </a:lnSpc>
-              <a:buFont typeface="+mj-lt"/>
-              <a:buAutoNum type="arabicPeriod"/>
-            </a:pPr>
-            <a:r>
-              <a:rPr lang="en-US" sz="2400" b="1" dirty="0">
-                <a:effectLst/>
-                <a:latin typeface="Calibri" panose="020F0502020204030204" pitchFamily="34" charset="0"/>
-                <a:ea typeface="Calibri" panose="020F0502020204030204" pitchFamily="34" charset="0"/>
-                <a:cs typeface="Times New Roman" panose="02020603050405020304" pitchFamily="18" charset="0"/>
-              </a:rPr>
-              <a:t>Exploratory Data Analysis</a:t>
             </a:r>
             <a:endParaRPr lang="en-KE" sz="2400" b="1" dirty="0">
               <a:effectLst/>
@@ -5537,6 +5586,163 @@
     <p:extLst>
       <p:ext uri="{BB962C8B-B14F-4D97-AF65-F5344CB8AC3E}">
         <p14:creationId xmlns:p14="http://schemas.microsoft.com/office/powerpoint/2010/main" val="325066734"/>
+      </p:ext>
+    </p:extLst>
+  </p:cSld>
+  <p:clrMapOvr>
+    <a:masterClrMapping/>
+  </p:clrMapOvr>
+</p:sld>
+</file>
+
+<file path=ppt/slides/slide20.xml><?xml version="1.0" encoding="utf-8"?>
+<p:sld xmlns:a="http://schemas.openxmlformats.org/drawingml/2006/main" xmlns:r="http://schemas.openxmlformats.org/officeDocument/2006/relationships" xmlns:p="http://schemas.openxmlformats.org/presentationml/2006/main">
+  <p:cSld>
+    <p:spTree>
+      <p:nvGrpSpPr>
+        <p:cNvPr id="1" name=""/>
+        <p:cNvGrpSpPr/>
+        <p:nvPr/>
+      </p:nvGrpSpPr>
+      <p:grpSpPr>
+        <a:xfrm>
+          <a:off x="0" y="0"/>
+          <a:ext cx="0" cy="0"/>
+          <a:chOff x="0" y="0"/>
+          <a:chExt cx="0" cy="0"/>
+        </a:xfrm>
+      </p:grpSpPr>
+      <p:pic>
+        <p:nvPicPr>
+          <p:cNvPr id="5" name="Picture 4">
+            <a:extLst>
+              <a:ext uri="{FF2B5EF4-FFF2-40B4-BE49-F238E27FC236}">
+                <a16:creationId xmlns:a16="http://schemas.microsoft.com/office/drawing/2014/main" id="{A03A03C4-4EA9-4E4B-ACAE-C103E511512C}"/>
+              </a:ext>
+            </a:extLst>
+          </p:cNvPr>
+          <p:cNvPicPr>
+            <a:picLocks noChangeAspect="1"/>
+          </p:cNvPicPr>
+          <p:nvPr/>
+        </p:nvPicPr>
+        <p:blipFill>
+          <a:blip r:embed="rId2">
+            <a:extLst>
+              <a:ext uri="{28A0092B-C50C-407E-A947-70E740481C1C}">
+                <a14:useLocalDpi xmlns:a14="http://schemas.microsoft.com/office/drawing/2010/main" val="0"/>
+              </a:ext>
+            </a:extLst>
+          </a:blip>
+          <a:stretch>
+            <a:fillRect/>
+          </a:stretch>
+        </p:blipFill>
+        <p:spPr>
+          <a:xfrm>
+            <a:off x="0" y="0"/>
+            <a:ext cx="12192000" cy="6858000"/>
+          </a:xfrm>
+          <a:prstGeom prst="rect">
+            <a:avLst/>
+          </a:prstGeom>
+        </p:spPr>
+      </p:pic>
+      <p:sp>
+        <p:nvSpPr>
+          <p:cNvPr id="3" name="TextBox 2">
+            <a:extLst>
+              <a:ext uri="{FF2B5EF4-FFF2-40B4-BE49-F238E27FC236}">
+                <a16:creationId xmlns:a16="http://schemas.microsoft.com/office/drawing/2014/main" id="{EE39D505-CEF5-488E-AFB0-B00DC083CFA2}"/>
+              </a:ext>
+            </a:extLst>
+          </p:cNvPr>
+          <p:cNvSpPr txBox="1"/>
+          <p:nvPr/>
+        </p:nvSpPr>
+        <p:spPr>
+          <a:xfrm>
+            <a:off x="914398" y="2200726"/>
+            <a:ext cx="10084905" cy="3847207"/>
+          </a:xfrm>
+          <a:prstGeom prst="rect">
+            <a:avLst/>
+          </a:prstGeom>
+          <a:noFill/>
+        </p:spPr>
+        <p:txBody>
+          <a:bodyPr wrap="square">
+            <a:spAutoFit/>
+          </a:bodyPr>
+          <a:lstStyle/>
+          <a:p>
+            <a:r>
+              <a:rPr lang="en-US" sz="4400" b="1" i="0" u="none" strike="noStrike" baseline="0" dirty="0">
+                <a:solidFill>
+                  <a:srgbClr val="222A9C"/>
+                </a:solidFill>
+                <a:latin typeface="PublicSans-Bold"/>
+              </a:rPr>
+              <a:t>Future Improvements</a:t>
+            </a:r>
+          </a:p>
+          <a:p>
+            <a:r>
+              <a:rPr lang="en-US" sz="4000" dirty="0"/>
+              <a:t> </a:t>
+            </a:r>
+          </a:p>
+          <a:p>
+            <a:pPr marL="457200" indent="-457200">
+              <a:buFont typeface="Arial" panose="020B0604020202020204" pitchFamily="34" charset="0"/>
+              <a:buChar char="•"/>
+            </a:pPr>
+            <a:r>
+              <a:rPr lang="en-US" sz="3200" dirty="0"/>
+              <a:t>Custom NER model training on a large labelled dataset.</a:t>
+            </a:r>
+          </a:p>
+          <a:p>
+            <a:pPr marL="457200" indent="-457200">
+              <a:buFont typeface="Arial" panose="020B0604020202020204" pitchFamily="34" charset="0"/>
+              <a:buChar char="•"/>
+            </a:pPr>
+            <a:r>
+              <a:rPr lang="en-US" sz="3200" dirty="0"/>
+              <a:t>Batch resume handling.</a:t>
+            </a:r>
+          </a:p>
+          <a:p>
+            <a:pPr marL="457200" indent="-457200">
+              <a:buFont typeface="Arial" panose="020B0604020202020204" pitchFamily="34" charset="0"/>
+              <a:buChar char="•"/>
+            </a:pPr>
+            <a:r>
+              <a:rPr lang="en-US" sz="3200" dirty="0"/>
+              <a:t>Highly interactive Streamlit app.</a:t>
+            </a:r>
+          </a:p>
+          <a:p>
+            <a:pPr marL="457200" indent="-457200">
+              <a:buFont typeface="Arial" panose="020B0604020202020204" pitchFamily="34" charset="0"/>
+              <a:buChar char="•"/>
+            </a:pPr>
+            <a:r>
+              <a:rPr lang="en-US" sz="3200" dirty="0"/>
+              <a:t>Upgrade compute power for model training on </a:t>
+            </a:r>
+            <a:r>
+              <a:rPr lang="en-US" sz="3200"/>
+              <a:t>large datasets.</a:t>
+            </a:r>
+            <a:endParaRPr lang="en-KE" sz="3200" dirty="0"/>
+          </a:p>
+        </p:txBody>
+      </p:sp>
+    </p:spTree>
+    <p:extLst>
+      <p:ext uri="{BB962C8B-B14F-4D97-AF65-F5344CB8AC3E}">
+        <p14:creationId xmlns:p14="http://schemas.microsoft.com/office/powerpoint/2010/main" val="2466497611"/>
       </p:ext>
     </p:extLst>
   </p:cSld>
@@ -6664,7 +6870,7 @@
         </p:nvSpPr>
         <p:spPr>
           <a:xfrm>
-            <a:off x="4479235" y="274289"/>
+            <a:off x="4002157" y="314315"/>
             <a:ext cx="3478709" cy="646331"/>
           </a:xfrm>
           <a:prstGeom prst="rect">

--- a/Resume Parsing.pptx
+++ b/Resume Parsing.pptx
@@ -15,16 +15,17 @@
     <p:sldId id="263" r:id="rId9"/>
     <p:sldId id="264" r:id="rId10"/>
     <p:sldId id="274" r:id="rId11"/>
-    <p:sldId id="273" r:id="rId12"/>
-    <p:sldId id="272" r:id="rId13"/>
-    <p:sldId id="265" r:id="rId14"/>
-    <p:sldId id="266" r:id="rId15"/>
-    <p:sldId id="269" r:id="rId16"/>
-    <p:sldId id="267" r:id="rId17"/>
-    <p:sldId id="268" r:id="rId18"/>
-    <p:sldId id="270" r:id="rId19"/>
-    <p:sldId id="275" r:id="rId20"/>
-    <p:sldId id="271" r:id="rId21"/>
+    <p:sldId id="276" r:id="rId12"/>
+    <p:sldId id="273" r:id="rId13"/>
+    <p:sldId id="272" r:id="rId14"/>
+    <p:sldId id="265" r:id="rId15"/>
+    <p:sldId id="266" r:id="rId16"/>
+    <p:sldId id="269" r:id="rId17"/>
+    <p:sldId id="267" r:id="rId18"/>
+    <p:sldId id="268" r:id="rId19"/>
+    <p:sldId id="270" r:id="rId20"/>
+    <p:sldId id="275" r:id="rId21"/>
+    <p:sldId id="271" r:id="rId22"/>
   </p:sldIdLst>
   <p:sldSz cx="12192000" cy="6858000"/>
   <p:notesSz cx="6858000" cy="9144000"/>
@@ -3639,10 +3640,10 @@
       </p:grpSpPr>
       <p:pic>
         <p:nvPicPr>
-          <p:cNvPr id="9" name="Picture 8">
-            <a:extLst>
-              <a:ext uri="{FF2B5EF4-FFF2-40B4-BE49-F238E27FC236}">
-                <a16:creationId xmlns:a16="http://schemas.microsoft.com/office/drawing/2014/main" id="{C15F6E6F-BE2D-4C80-90B8-1E11ED018A0A}"/>
+          <p:cNvPr id="3" name="Picture 2">
+            <a:extLst>
+              <a:ext uri="{FF2B5EF4-FFF2-40B4-BE49-F238E27FC236}">
+                <a16:creationId xmlns:a16="http://schemas.microsoft.com/office/drawing/2014/main" id="{F2E6AC77-50CC-4D1C-A26C-A7139A6F4660}"/>
               </a:ext>
             </a:extLst>
           </p:cNvPr>
@@ -3665,85 +3666,8 @@
         </p:blipFill>
         <p:spPr>
           <a:xfrm>
-            <a:off x="0" y="1105"/>
-            <a:ext cx="12191999" cy="6856895"/>
-          </a:xfrm>
-          <a:prstGeom prst="rect">
-            <a:avLst/>
-          </a:prstGeom>
-        </p:spPr>
-      </p:pic>
-      <p:sp>
-        <p:nvSpPr>
-          <p:cNvPr id="3" name="TextBox 2">
-            <a:extLst>
-              <a:ext uri="{FF2B5EF4-FFF2-40B4-BE49-F238E27FC236}">
-                <a16:creationId xmlns:a16="http://schemas.microsoft.com/office/drawing/2014/main" id="{B93EDE65-556D-4E9C-A26A-C11C8923EC9F}"/>
-              </a:ext>
-            </a:extLst>
-          </p:cNvPr>
-          <p:cNvSpPr txBox="1"/>
-          <p:nvPr/>
-        </p:nvSpPr>
-        <p:spPr>
-          <a:xfrm>
-            <a:off x="3048000" y="478426"/>
-            <a:ext cx="6096000" cy="954107"/>
-          </a:xfrm>
-          <a:prstGeom prst="rect">
-            <a:avLst/>
-          </a:prstGeom>
-          <a:noFill/>
-        </p:spPr>
-        <p:txBody>
-          <a:bodyPr wrap="square">
-            <a:spAutoFit/>
-          </a:bodyPr>
-          <a:lstStyle/>
-          <a:p>
-            <a:r>
-              <a:rPr lang="en-US" sz="2800" b="1" i="0" u="none" strike="noStrike" baseline="0" dirty="0">
-                <a:solidFill>
-                  <a:srgbClr val="222A9C"/>
-                </a:solidFill>
-                <a:latin typeface="PublicSans-Bold"/>
-              </a:rPr>
-              <a:t>Modeling data preparation: Resume csv to annotated Bio formatted Data</a:t>
-            </a:r>
-            <a:endParaRPr lang="en-KE" sz="2800" dirty="0"/>
-          </a:p>
-        </p:txBody>
-      </p:sp>
-      <p:pic>
-        <p:nvPicPr>
-          <p:cNvPr id="5" name="Picture 4">
-            <a:extLst>
-              <a:ext uri="{FF2B5EF4-FFF2-40B4-BE49-F238E27FC236}">
-                <a16:creationId xmlns:a16="http://schemas.microsoft.com/office/drawing/2014/main" id="{1897E943-CFA3-4479-88D8-89294D2B4043}"/>
-              </a:ext>
-            </a:extLst>
-          </p:cNvPr>
-          <p:cNvPicPr>
-            <a:picLocks noChangeAspect="1"/>
-          </p:cNvPicPr>
-          <p:nvPr/>
-        </p:nvPicPr>
-        <p:blipFill>
-          <a:blip r:embed="rId3">
-            <a:extLst>
-              <a:ext uri="{28A0092B-C50C-407E-A947-70E740481C1C}">
-                <a14:useLocalDpi xmlns:a14="http://schemas.microsoft.com/office/drawing/2010/main" val="0"/>
-              </a:ext>
-            </a:extLst>
-          </a:blip>
-          <a:stretch>
-            <a:fillRect/>
-          </a:stretch>
-        </p:blipFill>
-        <p:spPr>
-          <a:xfrm>
-            <a:off x="3409056" y="1432533"/>
-            <a:ext cx="5373885" cy="5086568"/>
+            <a:off x="0" y="0"/>
+            <a:ext cx="12187372" cy="6858000"/>
           </a:xfrm>
           <a:prstGeom prst="rect">
             <a:avLst/>
@@ -3753,7 +3677,7 @@
     </p:spTree>
     <p:extLst>
       <p:ext uri="{BB962C8B-B14F-4D97-AF65-F5344CB8AC3E}">
-        <p14:creationId xmlns:p14="http://schemas.microsoft.com/office/powerpoint/2010/main" val="2498426390"/>
+        <p14:creationId xmlns:p14="http://schemas.microsoft.com/office/powerpoint/2010/main" val="3684866577"/>
       </p:ext>
     </p:extLst>
   </p:cSld>
@@ -3782,10 +3706,10 @@
       </p:grpSpPr>
       <p:pic>
         <p:nvPicPr>
-          <p:cNvPr id="7" name="Picture 6">
-            <a:extLst>
-              <a:ext uri="{FF2B5EF4-FFF2-40B4-BE49-F238E27FC236}">
-                <a16:creationId xmlns:a16="http://schemas.microsoft.com/office/drawing/2014/main" id="{E4F928F3-3AA5-44FA-B375-291E86651C67}"/>
+          <p:cNvPr id="9" name="Picture 8">
+            <a:extLst>
+              <a:ext uri="{FF2B5EF4-FFF2-40B4-BE49-F238E27FC236}">
+                <a16:creationId xmlns:a16="http://schemas.microsoft.com/office/drawing/2014/main" id="{C15F6E6F-BE2D-4C80-90B8-1E11ED018A0A}"/>
               </a:ext>
             </a:extLst>
           </p:cNvPr>
@@ -3808,8 +3732,8 @@
         </p:blipFill>
         <p:spPr>
           <a:xfrm>
-            <a:off x="0" y="0"/>
-            <a:ext cx="12192001" cy="6858000"/>
+            <a:off x="0" y="1105"/>
+            <a:ext cx="12191999" cy="6856895"/>
           </a:xfrm>
           <a:prstGeom prst="rect">
             <a:avLst/>
@@ -3821,7 +3745,7 @@
           <p:cNvPr id="3" name="TextBox 2">
             <a:extLst>
               <a:ext uri="{FF2B5EF4-FFF2-40B4-BE49-F238E27FC236}">
-                <a16:creationId xmlns:a16="http://schemas.microsoft.com/office/drawing/2014/main" id="{77316098-DCE8-481A-BDE0-D2F36FCB1DC3}"/>
+                <a16:creationId xmlns:a16="http://schemas.microsoft.com/office/drawing/2014/main" id="{B93EDE65-556D-4E9C-A26A-C11C8923EC9F}"/>
               </a:ext>
             </a:extLst>
           </p:cNvPr>
@@ -3830,8 +3754,8 @@
         </p:nvSpPr>
         <p:spPr>
           <a:xfrm>
-            <a:off x="1060228" y="494092"/>
-            <a:ext cx="6930887" cy="1323439"/>
+            <a:off x="3048000" y="478426"/>
+            <a:ext cx="6096000" cy="954107"/>
           </a:xfrm>
           <a:prstGeom prst="rect">
             <a:avLst/>
@@ -3845,15 +3769,15 @@
           <a:lstStyle/>
           <a:p>
             <a:r>
-              <a:rPr lang="en-US" sz="4000" b="1" i="0" u="none" strike="noStrike" baseline="0" dirty="0">
+              <a:rPr lang="en-US" sz="2800" b="1" i="0" u="none" strike="noStrike" baseline="0" dirty="0">
                 <a:solidFill>
                   <a:srgbClr val="222A9C"/>
                 </a:solidFill>
                 <a:latin typeface="PublicSans-Bold"/>
               </a:rPr>
-              <a:t>Modeling data preparation: formatted JSON data tokens. </a:t>
-            </a:r>
-            <a:endParaRPr lang="en-KE" sz="4000" dirty="0"/>
+              <a:t>Modeling data preparation: Resume csv to annotated Bio formatted Data</a:t>
+            </a:r>
+            <a:endParaRPr lang="en-KE" sz="2800" dirty="0"/>
           </a:p>
         </p:txBody>
       </p:sp>
@@ -3862,7 +3786,7 @@
           <p:cNvPr id="5" name="Picture 4">
             <a:extLst>
               <a:ext uri="{FF2B5EF4-FFF2-40B4-BE49-F238E27FC236}">
-                <a16:creationId xmlns:a16="http://schemas.microsoft.com/office/drawing/2014/main" id="{154A4421-5D20-4C1E-80F9-696FF8E31637}"/>
+                <a16:creationId xmlns:a16="http://schemas.microsoft.com/office/drawing/2014/main" id="{1897E943-CFA3-4479-88D8-89294D2B4043}"/>
               </a:ext>
             </a:extLst>
           </p:cNvPr>
@@ -3885,195 +3809,18 @@
         </p:blipFill>
         <p:spPr>
           <a:xfrm>
-            <a:off x="1060228" y="3020305"/>
-            <a:ext cx="10071543" cy="2114411"/>
+            <a:off x="3409056" y="1432533"/>
+            <a:ext cx="5373885" cy="5086568"/>
           </a:xfrm>
           <a:prstGeom prst="rect">
             <a:avLst/>
           </a:prstGeom>
         </p:spPr>
       </p:pic>
-      <p:sp>
-        <p:nvSpPr>
-          <p:cNvPr id="9" name="Rectangle 1">
-            <a:extLst>
-              <a:ext uri="{FF2B5EF4-FFF2-40B4-BE49-F238E27FC236}">
-                <a16:creationId xmlns:a16="http://schemas.microsoft.com/office/drawing/2014/main" id="{DF452F6E-A62E-46B8-B7C9-96391A30402B}"/>
-              </a:ext>
-            </a:extLst>
-          </p:cNvPr>
-          <p:cNvSpPr>
-            <a:spLocks noChangeArrowheads="1"/>
-          </p:cNvSpPr>
-          <p:nvPr/>
-        </p:nvSpPr>
-        <p:spPr bwMode="auto">
-          <a:xfrm>
-            <a:off x="1060228" y="1817531"/>
-            <a:ext cx="10526793" cy="1200329"/>
-          </a:xfrm>
-          <a:prstGeom prst="rect">
-            <a:avLst/>
-          </a:prstGeom>
-          <a:noFill/>
-          <a:ln>
-            <a:noFill/>
-          </a:ln>
-          <a:effectLst/>
-          <a:extLst>
-            <a:ext uri="{909E8E84-426E-40DD-AFC4-6F175D3DCCD1}">
-              <a14:hiddenFill xmlns:a14="http://schemas.microsoft.com/office/drawing/2010/main">
-                <a:solidFill>
-                  <a:schemeClr val="accent1"/>
-                </a:solidFill>
-              </a14:hiddenFill>
-            </a:ext>
-            <a:ext uri="{91240B29-F687-4F45-9708-019B960494DF}">
-              <a14:hiddenLine xmlns:a14="http://schemas.microsoft.com/office/drawing/2010/main" w="9525">
-                <a:solidFill>
-                  <a:schemeClr val="tx1"/>
-                </a:solidFill>
-                <a:miter lim="800000"/>
-                <a:headEnd/>
-                <a:tailEnd/>
-              </a14:hiddenLine>
-            </a:ext>
-            <a:ext uri="{AF507438-7753-43E0-B8FC-AC1667EBCBE1}">
-              <a14:hiddenEffects xmlns:a14="http://schemas.microsoft.com/office/drawing/2010/main">
-                <a:effectLst>
-                  <a:outerShdw dist="35921" dir="2700000" algn="ctr" rotWithShape="0">
-                    <a:schemeClr val="bg2"/>
-                  </a:outerShdw>
-                </a:effectLst>
-              </a14:hiddenEffects>
-            </a:ext>
-          </a:extLst>
-        </p:spPr>
-        <p:txBody>
-          <a:bodyPr vert="horz" wrap="none" lIns="91440" tIns="45720" rIns="91440" bIns="45720" numCol="1" anchor="ctr" anchorCtr="0" compatLnSpc="1">
-            <a:prstTxWarp prst="textNoShape">
-              <a:avLst/>
-            </a:prstTxWarp>
-            <a:spAutoFit/>
-          </a:bodyPr>
-          <a:lstStyle/>
-          <a:p>
-            <a:pPr marL="0" marR="0" lvl="0" indent="0" algn="l" defTabSz="914400" rtl="0" eaLnBrk="0" fontAlgn="base" latinLnBrk="0" hangingPunct="0">
-              <a:lnSpc>
-                <a:spcPct val="100000"/>
-              </a:lnSpc>
-              <a:spcBef>
-                <a:spcPct val="0"/>
-              </a:spcBef>
-              <a:spcAft>
-                <a:spcPct val="0"/>
-              </a:spcAft>
-              <a:buClrTx/>
-              <a:buSzTx/>
-              <a:buFontTx/>
-              <a:buNone/>
-              <a:tabLst/>
-            </a:pPr>
-            <a:r>
-              <a:rPr lang="en-US" sz="2400" b="1" dirty="0"/>
-              <a:t>Sentence Formation</a:t>
-            </a:r>
-            <a:r>
-              <a:rPr lang="en-US" sz="2400" dirty="0"/>
-              <a:t>: Combines all resume fields into a single sequence per record.</a:t>
-            </a:r>
-          </a:p>
-          <a:p>
-            <a:pPr eaLnBrk="0" fontAlgn="base" hangingPunct="0">
-              <a:spcBef>
-                <a:spcPct val="0"/>
-              </a:spcBef>
-              <a:spcAft>
-                <a:spcPct val="0"/>
-              </a:spcAft>
-            </a:pPr>
-            <a:r>
-              <a:rPr kumimoji="0" lang="en-KE" altLang="en-KE" sz="2400" b="1" i="0" u="none" strike="noStrike" cap="none" normalizeH="0" baseline="0" dirty="0">
-                <a:ln>
-                  <a:noFill/>
-                </a:ln>
-                <a:solidFill>
-                  <a:schemeClr val="tx1"/>
-                </a:solidFill>
-                <a:effectLst/>
-              </a:rPr>
-              <a:t>Tokenization</a:t>
-            </a:r>
-            <a:r>
-              <a:rPr kumimoji="0" lang="en-KE" altLang="en-KE" sz="2400" b="0" i="0" u="none" strike="noStrike" cap="none" normalizeH="0" baseline="0" dirty="0">
-                <a:ln>
-                  <a:noFill/>
-                </a:ln>
-                <a:solidFill>
-                  <a:schemeClr val="tx1"/>
-                </a:solidFill>
-                <a:effectLst/>
-              </a:rPr>
-              <a:t>: Uses spaCy to split text into tokens. </a:t>
-            </a:r>
-            <a:endParaRPr kumimoji="0" lang="en-US" altLang="en-KE" sz="2400" b="1" i="0" u="none" strike="noStrike" cap="none" normalizeH="0" baseline="0" dirty="0">
-              <a:ln>
-                <a:noFill/>
-              </a:ln>
-              <a:solidFill>
-                <a:schemeClr val="tx1"/>
-              </a:solidFill>
-              <a:effectLst/>
-            </a:endParaRPr>
-          </a:p>
-          <a:p>
-            <a:pPr marL="0" marR="0" lvl="0" indent="0" algn="l" defTabSz="914400" rtl="0" eaLnBrk="0" fontAlgn="base" latinLnBrk="0" hangingPunct="0">
-              <a:lnSpc>
-                <a:spcPct val="100000"/>
-              </a:lnSpc>
-              <a:spcBef>
-                <a:spcPct val="0"/>
-              </a:spcBef>
-              <a:spcAft>
-                <a:spcPct val="0"/>
-              </a:spcAft>
-              <a:buClrTx/>
-              <a:buSzTx/>
-              <a:buFontTx/>
-              <a:buNone/>
-              <a:tabLst/>
-            </a:pPr>
-            <a:r>
-              <a:rPr kumimoji="0" lang="en-KE" altLang="en-KE" sz="2400" b="1" i="0" u="none" strike="noStrike" cap="none" normalizeH="0" baseline="0" dirty="0">
-                <a:ln>
-                  <a:noFill/>
-                </a:ln>
-                <a:solidFill>
-                  <a:schemeClr val="tx1"/>
-                </a:solidFill>
-                <a:effectLst/>
-              </a:rPr>
-              <a:t>BIO Tagging</a:t>
-            </a:r>
-            <a:r>
-              <a:rPr kumimoji="0" lang="en-KE" altLang="en-KE" sz="2400" b="0" i="0" u="none" strike="noStrike" cap="none" normalizeH="0" baseline="0" dirty="0">
-                <a:ln>
-                  <a:noFill/>
-                </a:ln>
-                <a:solidFill>
-                  <a:schemeClr val="tx1"/>
-                </a:solidFill>
-                <a:effectLst/>
-              </a:rPr>
-              <a:t>: Assigns B- (Beginning) and I- (Inside) tags to multi-word entities </a:t>
-            </a:r>
-          </a:p>
-        </p:txBody>
-      </p:sp>
     </p:spTree>
     <p:extLst>
       <p:ext uri="{BB962C8B-B14F-4D97-AF65-F5344CB8AC3E}">
-        <p14:creationId xmlns:p14="http://schemas.microsoft.com/office/powerpoint/2010/main" val="2155805929"/>
+        <p14:creationId xmlns:p14="http://schemas.microsoft.com/office/powerpoint/2010/main" val="2498426390"/>
       </p:ext>
     </p:extLst>
   </p:cSld>
@@ -4100,12 +3847,48 @@
           <a:chExt cx="0" cy="0"/>
         </a:xfrm>
       </p:grpSpPr>
+      <p:pic>
+        <p:nvPicPr>
+          <p:cNvPr id="7" name="Picture 6">
+            <a:extLst>
+              <a:ext uri="{FF2B5EF4-FFF2-40B4-BE49-F238E27FC236}">
+                <a16:creationId xmlns:a16="http://schemas.microsoft.com/office/drawing/2014/main" id="{E4F928F3-3AA5-44FA-B375-291E86651C67}"/>
+              </a:ext>
+            </a:extLst>
+          </p:cNvPr>
+          <p:cNvPicPr>
+            <a:picLocks noChangeAspect="1"/>
+          </p:cNvPicPr>
+          <p:nvPr/>
+        </p:nvPicPr>
+        <p:blipFill>
+          <a:blip r:embed="rId2">
+            <a:extLst>
+              <a:ext uri="{28A0092B-C50C-407E-A947-70E740481C1C}">
+                <a14:useLocalDpi xmlns:a14="http://schemas.microsoft.com/office/drawing/2010/main" val="0"/>
+              </a:ext>
+            </a:extLst>
+          </a:blip>
+          <a:stretch>
+            <a:fillRect/>
+          </a:stretch>
+        </p:blipFill>
+        <p:spPr>
+          <a:xfrm>
+            <a:off x="0" y="0"/>
+            <a:ext cx="12192001" cy="6858000"/>
+          </a:xfrm>
+          <a:prstGeom prst="rect">
+            <a:avLst/>
+          </a:prstGeom>
+        </p:spPr>
+      </p:pic>
       <p:sp>
         <p:nvSpPr>
           <p:cNvPr id="3" name="TextBox 2">
             <a:extLst>
               <a:ext uri="{FF2B5EF4-FFF2-40B4-BE49-F238E27FC236}">
-                <a16:creationId xmlns:a16="http://schemas.microsoft.com/office/drawing/2014/main" id="{5F7E9760-4EDE-43AD-AB40-5A52FF8FFA21}"/>
+                <a16:creationId xmlns:a16="http://schemas.microsoft.com/office/drawing/2014/main" id="{77316098-DCE8-481A-BDE0-D2F36FCB1DC3}"/>
               </a:ext>
             </a:extLst>
           </p:cNvPr>
@@ -4114,8 +3897,8 @@
         </p:nvSpPr>
         <p:spPr>
           <a:xfrm>
-            <a:off x="786427" y="313137"/>
-            <a:ext cx="6096000" cy="707886"/>
+            <a:off x="1060228" y="494092"/>
+            <a:ext cx="6930887" cy="1323439"/>
           </a:xfrm>
           <a:prstGeom prst="rect">
             <a:avLst/>
@@ -4135,267 +3918,229 @@
                 </a:solidFill>
                 <a:latin typeface="PublicSans-Bold"/>
               </a:rPr>
-              <a:t>Modeling</a:t>
+              <a:t>Modeling data preparation: formatted JSON data tokens. </a:t>
             </a:r>
             <a:endParaRPr lang="en-KE" sz="4000" dirty="0"/>
           </a:p>
         </p:txBody>
       </p:sp>
-      <p:sp>
-        <p:nvSpPr>
-          <p:cNvPr id="2" name="TextBox 1">
-            <a:extLst>
-              <a:ext uri="{FF2B5EF4-FFF2-40B4-BE49-F238E27FC236}">
-                <a16:creationId xmlns:a16="http://schemas.microsoft.com/office/drawing/2014/main" id="{BF527CA7-343E-4F2E-B084-C22C1F33D0D3}"/>
-              </a:ext>
-            </a:extLst>
-          </p:cNvPr>
-          <p:cNvSpPr txBox="1"/>
+      <p:pic>
+        <p:nvPicPr>
+          <p:cNvPr id="5" name="Picture 4">
+            <a:extLst>
+              <a:ext uri="{FF2B5EF4-FFF2-40B4-BE49-F238E27FC236}">
+                <a16:creationId xmlns:a16="http://schemas.microsoft.com/office/drawing/2014/main" id="{154A4421-5D20-4C1E-80F9-696FF8E31637}"/>
+              </a:ext>
+            </a:extLst>
+          </p:cNvPr>
+          <p:cNvPicPr>
+            <a:picLocks noChangeAspect="1"/>
+          </p:cNvPicPr>
           <p:nvPr/>
-        </p:nvSpPr>
-        <p:spPr>
-          <a:xfrm>
-            <a:off x="786427" y="1352952"/>
-            <a:ext cx="6265370" cy="369332"/>
+        </p:nvPicPr>
+        <p:blipFill>
+          <a:blip r:embed="rId3">
+            <a:extLst>
+              <a:ext uri="{28A0092B-C50C-407E-A947-70E740481C1C}">
+                <a14:useLocalDpi xmlns:a14="http://schemas.microsoft.com/office/drawing/2010/main" val="0"/>
+              </a:ext>
+            </a:extLst>
+          </a:blip>
+          <a:stretch>
+            <a:fillRect/>
+          </a:stretch>
+        </p:blipFill>
+        <p:spPr>
+          <a:xfrm>
+            <a:off x="1060228" y="3020305"/>
+            <a:ext cx="10071543" cy="2114411"/>
+          </a:xfrm>
+          <a:prstGeom prst="rect">
+            <a:avLst/>
+          </a:prstGeom>
+        </p:spPr>
+      </p:pic>
+      <p:sp>
+        <p:nvSpPr>
+          <p:cNvPr id="9" name="Rectangle 1">
+            <a:extLst>
+              <a:ext uri="{FF2B5EF4-FFF2-40B4-BE49-F238E27FC236}">
+                <a16:creationId xmlns:a16="http://schemas.microsoft.com/office/drawing/2014/main" id="{DF452F6E-A62E-46B8-B7C9-96391A30402B}"/>
+              </a:ext>
+            </a:extLst>
+          </p:cNvPr>
+          <p:cNvSpPr>
+            <a:spLocks noChangeArrowheads="1"/>
+          </p:cNvSpPr>
+          <p:nvPr/>
+        </p:nvSpPr>
+        <p:spPr bwMode="auto">
+          <a:xfrm>
+            <a:off x="1060228" y="1817531"/>
+            <a:ext cx="10526793" cy="1200329"/>
           </a:xfrm>
           <a:prstGeom prst="rect">
             <a:avLst/>
           </a:prstGeom>
           <a:noFill/>
-        </p:spPr>
-        <p:txBody>
-          <a:bodyPr wrap="none" rtlCol="0">
+          <a:ln>
+            <a:noFill/>
+          </a:ln>
+          <a:effectLst/>
+          <a:extLst>
+            <a:ext uri="{909E8E84-426E-40DD-AFC4-6F175D3DCCD1}">
+              <a14:hiddenFill xmlns:a14="http://schemas.microsoft.com/office/drawing/2010/main">
+                <a:solidFill>
+                  <a:schemeClr val="accent1"/>
+                </a:solidFill>
+              </a14:hiddenFill>
+            </a:ext>
+            <a:ext uri="{91240B29-F687-4F45-9708-019B960494DF}">
+              <a14:hiddenLine xmlns:a14="http://schemas.microsoft.com/office/drawing/2010/main" w="9525">
+                <a:solidFill>
+                  <a:schemeClr val="tx1"/>
+                </a:solidFill>
+                <a:miter lim="800000"/>
+                <a:headEnd/>
+                <a:tailEnd/>
+              </a14:hiddenLine>
+            </a:ext>
+            <a:ext uri="{AF507438-7753-43E0-B8FC-AC1667EBCBE1}">
+              <a14:hiddenEffects xmlns:a14="http://schemas.microsoft.com/office/drawing/2010/main">
+                <a:effectLst>
+                  <a:outerShdw dist="35921" dir="2700000" algn="ctr" rotWithShape="0">
+                    <a:schemeClr val="bg2"/>
+                  </a:outerShdw>
+                </a:effectLst>
+              </a14:hiddenEffects>
+            </a:ext>
+          </a:extLst>
+        </p:spPr>
+        <p:txBody>
+          <a:bodyPr vert="horz" wrap="none" lIns="91440" tIns="45720" rIns="91440" bIns="45720" numCol="1" anchor="ctr" anchorCtr="0" compatLnSpc="1">
+            <a:prstTxWarp prst="textNoShape">
+              <a:avLst/>
+            </a:prstTxWarp>
             <a:spAutoFit/>
           </a:bodyPr>
           <a:lstStyle/>
           <a:p>
-            <a:r>
-              <a:rPr lang="en-US" dirty="0"/>
-              <a:t> A pretrained BERT model was used for Named Entity Recognition</a:t>
-            </a:r>
-            <a:endParaRPr lang="en-KE" dirty="0"/>
-          </a:p>
-        </p:txBody>
-      </p:sp>
-      <p:sp>
-        <p:nvSpPr>
-          <p:cNvPr id="4" name="TextBox 3">
-            <a:extLst>
-              <a:ext uri="{FF2B5EF4-FFF2-40B4-BE49-F238E27FC236}">
-                <a16:creationId xmlns:a16="http://schemas.microsoft.com/office/drawing/2014/main" id="{130F4A58-8604-4B1C-A324-7F44C0FEF214}"/>
-              </a:ext>
-            </a:extLst>
-          </p:cNvPr>
-          <p:cNvSpPr txBox="1"/>
-          <p:nvPr/>
-        </p:nvSpPr>
-        <p:spPr>
-          <a:xfrm>
-            <a:off x="786427" y="1999994"/>
-            <a:ext cx="10491173" cy="3693319"/>
-          </a:xfrm>
-          <a:prstGeom prst="rect">
-            <a:avLst/>
-          </a:prstGeom>
-          <a:noFill/>
-        </p:spPr>
-        <p:txBody>
-          <a:bodyPr wrap="square" rtlCol="0">
-            <a:spAutoFit/>
-          </a:bodyPr>
-          <a:lstStyle/>
-          <a:p>
-            <a:r>
-              <a:rPr lang="en-US" dirty="0">
-                <a:solidFill>
-                  <a:schemeClr val="bg2">
-                    <a:lumMod val="25000"/>
-                  </a:schemeClr>
-                </a:solidFill>
-              </a:rPr>
-              <a:t>BERT (Bidirectional Encoder Representations from Transformers), is a natural language processing (NLP) </a:t>
-            </a:r>
-          </a:p>
-          <a:p>
-            <a:r>
-              <a:rPr lang="en-US" dirty="0">
-                <a:solidFill>
-                  <a:schemeClr val="bg2">
-                    <a:lumMod val="25000"/>
-                  </a:schemeClr>
-                </a:solidFill>
-              </a:rPr>
-              <a:t>model. It’s designed to understand the context of words in a sentence by considering</a:t>
-            </a:r>
-          </a:p>
-          <a:p>
-            <a:r>
-              <a:rPr lang="en-US" dirty="0">
-                <a:solidFill>
-                  <a:schemeClr val="bg2">
-                    <a:lumMod val="25000"/>
-                  </a:schemeClr>
-                </a:solidFill>
-              </a:rPr>
-              <a:t>both the left and right surrounding words. Unlike traditional models that read text sequentially</a:t>
-            </a:r>
-          </a:p>
-          <a:p>
-            <a:r>
-              <a:rPr lang="en-US" dirty="0">
-                <a:solidFill>
-                  <a:schemeClr val="bg2">
-                    <a:lumMod val="25000"/>
-                  </a:schemeClr>
-                </a:solidFill>
-              </a:rPr>
-              <a:t>(left-to-right or right-to-left), BERT processes text in both directions, enabling it to capture the deeper meaning</a:t>
-            </a:r>
-          </a:p>
-          <a:p>
-            <a:r>
-              <a:rPr lang="en-US" dirty="0">
-                <a:solidFill>
-                  <a:schemeClr val="bg2">
-                    <a:lumMod val="25000"/>
-                  </a:schemeClr>
-                </a:solidFill>
-              </a:rPr>
-              <a:t>and nuances of words.</a:t>
-            </a:r>
-          </a:p>
-          <a:p>
-            <a:endParaRPr lang="en-US" dirty="0">
+            <a:pPr marL="0" marR="0" lvl="0" indent="0" algn="l" defTabSz="914400" rtl="0" eaLnBrk="0" fontAlgn="base" latinLnBrk="0" hangingPunct="0">
+              <a:lnSpc>
+                <a:spcPct val="100000"/>
+              </a:lnSpc>
+              <a:spcBef>
+                <a:spcPct val="0"/>
+              </a:spcBef>
+              <a:spcAft>
+                <a:spcPct val="0"/>
+              </a:spcAft>
+              <a:buClrTx/>
+              <a:buSzTx/>
+              <a:buFontTx/>
+              <a:buNone/>
+              <a:tabLst/>
+            </a:pPr>
+            <a:r>
+              <a:rPr lang="en-US" sz="2400" b="1" dirty="0"/>
+              <a:t>Sentence Formation</a:t>
+            </a:r>
+            <a:r>
+              <a:rPr lang="en-US" sz="2400" dirty="0"/>
+              <a:t>: Combines all resume fields into a single sequence per record.</a:t>
+            </a:r>
+          </a:p>
+          <a:p>
+            <a:pPr eaLnBrk="0" fontAlgn="base" hangingPunct="0">
+              <a:spcBef>
+                <a:spcPct val="0"/>
+              </a:spcBef>
+              <a:spcAft>
+                <a:spcPct val="0"/>
+              </a:spcAft>
+            </a:pPr>
+            <a:r>
+              <a:rPr kumimoji="0" lang="en-KE" altLang="en-KE" sz="2400" b="1" i="0" u="none" strike="noStrike" cap="none" normalizeH="0" baseline="0" dirty="0">
+                <a:ln>
+                  <a:noFill/>
+                </a:ln>
+                <a:solidFill>
+                  <a:schemeClr val="tx1"/>
+                </a:solidFill>
+                <a:effectLst/>
+              </a:rPr>
+              <a:t>Tokenization</a:t>
+            </a:r>
+            <a:r>
+              <a:rPr kumimoji="0" lang="en-KE" altLang="en-KE" sz="2400" b="0" i="0" u="none" strike="noStrike" cap="none" normalizeH="0" baseline="0" dirty="0">
+                <a:ln>
+                  <a:noFill/>
+                </a:ln>
+                <a:solidFill>
+                  <a:schemeClr val="tx1"/>
+                </a:solidFill>
+                <a:effectLst/>
+              </a:rPr>
+              <a:t>: Uses spaCy to split text into tokens. </a:t>
+            </a:r>
+            <a:endParaRPr kumimoji="0" lang="en-US" altLang="en-KE" sz="2400" b="1" i="0" u="none" strike="noStrike" cap="none" normalizeH="0" baseline="0" dirty="0">
+              <a:ln>
+                <a:noFill/>
+              </a:ln>
               <a:solidFill>
-                <a:schemeClr val="bg2">
-                  <a:lumMod val="25000"/>
-                </a:schemeClr>
+                <a:schemeClr val="tx1"/>
               </a:solidFill>
+              <a:effectLst/>
             </a:endParaRPr>
           </a:p>
           <a:p>
-            <a:pPr>
-              <a:buFont typeface="Arial" panose="020B0604020202020204" pitchFamily="34" charset="0"/>
-              <a:buChar char="•"/>
+            <a:pPr marL="0" marR="0" lvl="0" indent="0" algn="l" defTabSz="914400" rtl="0" eaLnBrk="0" fontAlgn="base" latinLnBrk="0" hangingPunct="0">
+              <a:lnSpc>
+                <a:spcPct val="100000"/>
+              </a:lnSpc>
+              <a:spcBef>
+                <a:spcPct val="0"/>
+              </a:spcBef>
+              <a:spcAft>
+                <a:spcPct val="0"/>
+              </a:spcAft>
+              <a:buClrTx/>
+              <a:buSzTx/>
+              <a:buFontTx/>
+              <a:buNone/>
+              <a:tabLst/>
             </a:pPr>
             <a:r>
-              <a:rPr lang="en-US" b="1" dirty="0">
-                <a:solidFill>
-                  <a:schemeClr val="bg2">
-                    <a:lumMod val="25000"/>
-                  </a:schemeClr>
-                </a:solidFill>
-              </a:rPr>
-              <a:t>Bidirectional Contextualization</a:t>
-            </a:r>
-            <a:r>
-              <a:rPr lang="en-US" dirty="0">
-                <a:solidFill>
-                  <a:schemeClr val="bg2">
-                    <a:lumMod val="25000"/>
-                  </a:schemeClr>
-                </a:solidFill>
-              </a:rPr>
-              <a:t>: BERT uses a transformer architecture to read the entire sequence of words at </a:t>
-            </a:r>
-          </a:p>
-          <a:p>
-            <a:r>
-              <a:rPr lang="en-US" dirty="0">
-                <a:solidFill>
-                  <a:schemeClr val="bg2">
-                    <a:lumMod val="25000"/>
-                  </a:schemeClr>
-                </a:solidFill>
-              </a:rPr>
-              <a:t>once, which helps in understanding the context better.</a:t>
-            </a:r>
-          </a:p>
-          <a:p>
-            <a:pPr>
-              <a:buFont typeface="Arial" panose="020B0604020202020204" pitchFamily="34" charset="0"/>
-              <a:buChar char="•"/>
-            </a:pPr>
-            <a:r>
-              <a:rPr lang="en-US" b="1" dirty="0">
-                <a:solidFill>
-                  <a:schemeClr val="bg2">
-                    <a:lumMod val="25000"/>
-                  </a:schemeClr>
-                </a:solidFill>
-              </a:rPr>
-              <a:t>Pretraining and Fine-tuning</a:t>
-            </a:r>
-            <a:r>
-              <a:rPr lang="en-US" dirty="0">
-                <a:solidFill>
-                  <a:schemeClr val="bg2">
-                    <a:lumMod val="25000"/>
-                  </a:schemeClr>
-                </a:solidFill>
-              </a:rPr>
-              <a:t>: BERT is pretrained on large text corpora using unsupervised learning, making it </a:t>
-            </a:r>
-          </a:p>
-          <a:p>
-            <a:r>
-              <a:rPr lang="en-US" dirty="0">
-                <a:solidFill>
-                  <a:schemeClr val="bg2">
-                    <a:lumMod val="25000"/>
-                  </a:schemeClr>
-                </a:solidFill>
-              </a:rPr>
-              <a:t>highly versatile for named entity recognition.</a:t>
-            </a:r>
-          </a:p>
-          <a:p>
-            <a:pPr>
-              <a:buFont typeface="Arial" panose="020B0604020202020204" pitchFamily="34" charset="0"/>
-              <a:buChar char="•"/>
-            </a:pPr>
-            <a:r>
-              <a:rPr lang="en-US" b="1" dirty="0">
-                <a:solidFill>
-                  <a:schemeClr val="bg2">
-                    <a:lumMod val="25000"/>
-                  </a:schemeClr>
-                </a:solidFill>
-              </a:rPr>
-              <a:t>Transformers</a:t>
-            </a:r>
-            <a:r>
-              <a:rPr lang="en-US" dirty="0">
-                <a:solidFill>
-                  <a:schemeClr val="bg2">
-                    <a:lumMod val="25000"/>
-                  </a:schemeClr>
-                </a:solidFill>
-              </a:rPr>
-              <a:t>: The model is built on the transformer architecture, which relies on self-attention mechanisms</a:t>
-            </a:r>
-          </a:p>
-          <a:p>
-            <a:r>
-              <a:rPr lang="en-US" dirty="0">
-                <a:solidFill>
-                  <a:schemeClr val="bg2">
-                    <a:lumMod val="25000"/>
-                  </a:schemeClr>
-                </a:solidFill>
-              </a:rPr>
-              <a:t> to weigh the importance of different words in a sentence.</a:t>
-            </a:r>
-          </a:p>
-          <a:p>
-            <a:endParaRPr lang="en-KE" dirty="0"/>
+              <a:rPr kumimoji="0" lang="en-KE" altLang="en-KE" sz="2400" b="1" i="0" u="none" strike="noStrike" cap="none" normalizeH="0" baseline="0" dirty="0">
+                <a:ln>
+                  <a:noFill/>
+                </a:ln>
+                <a:solidFill>
+                  <a:schemeClr val="tx1"/>
+                </a:solidFill>
+                <a:effectLst/>
+              </a:rPr>
+              <a:t>BIO Tagging</a:t>
+            </a:r>
+            <a:r>
+              <a:rPr kumimoji="0" lang="en-KE" altLang="en-KE" sz="2400" b="0" i="0" u="none" strike="noStrike" cap="none" normalizeH="0" baseline="0" dirty="0">
+                <a:ln>
+                  <a:noFill/>
+                </a:ln>
+                <a:solidFill>
+                  <a:schemeClr val="tx1"/>
+                </a:solidFill>
+                <a:effectLst/>
+              </a:rPr>
+              <a:t>: Assigns B- (Beginning) and I- (Inside) tags to multi-word entities </a:t>
+            </a:r>
           </a:p>
         </p:txBody>
       </p:sp>
     </p:spTree>
     <p:extLst>
       <p:ext uri="{BB962C8B-B14F-4D97-AF65-F5344CB8AC3E}">
-        <p14:creationId xmlns:p14="http://schemas.microsoft.com/office/powerpoint/2010/main" val="1023953178"/>
+        <p14:creationId xmlns:p14="http://schemas.microsoft.com/office/powerpoint/2010/main" val="2155805929"/>
       </p:ext>
     </p:extLst>
   </p:cSld>
@@ -4422,48 +4167,12 @@
           <a:chExt cx="0" cy="0"/>
         </a:xfrm>
       </p:grpSpPr>
-      <p:pic>
-        <p:nvPicPr>
-          <p:cNvPr id="7" name="Picture 6">
-            <a:extLst>
-              <a:ext uri="{FF2B5EF4-FFF2-40B4-BE49-F238E27FC236}">
-                <a16:creationId xmlns:a16="http://schemas.microsoft.com/office/drawing/2014/main" id="{13969E6C-2A23-41C4-BEF4-1980F64801BE}"/>
-              </a:ext>
-            </a:extLst>
-          </p:cNvPr>
-          <p:cNvPicPr>
-            <a:picLocks noChangeAspect="1"/>
-          </p:cNvPicPr>
-          <p:nvPr/>
-        </p:nvPicPr>
-        <p:blipFill>
-          <a:blip r:embed="rId2">
-            <a:extLst>
-              <a:ext uri="{28A0092B-C50C-407E-A947-70E740481C1C}">
-                <a14:useLocalDpi xmlns:a14="http://schemas.microsoft.com/office/drawing/2010/main" val="0"/>
-              </a:ext>
-            </a:extLst>
-          </a:blip>
-          <a:stretch>
-            <a:fillRect/>
-          </a:stretch>
-        </p:blipFill>
-        <p:spPr>
-          <a:xfrm>
-            <a:off x="0" y="0"/>
-            <a:ext cx="12192000" cy="6858000"/>
-          </a:xfrm>
-          <a:prstGeom prst="rect">
-            <a:avLst/>
-          </a:prstGeom>
-        </p:spPr>
-      </p:pic>
       <p:sp>
         <p:nvSpPr>
           <p:cNvPr id="3" name="TextBox 2">
             <a:extLst>
               <a:ext uri="{FF2B5EF4-FFF2-40B4-BE49-F238E27FC236}">
-                <a16:creationId xmlns:a16="http://schemas.microsoft.com/office/drawing/2014/main" id="{26886CBF-A4F8-477B-BCE2-498CB06678DA}"/>
+                <a16:creationId xmlns:a16="http://schemas.microsoft.com/office/drawing/2014/main" id="{5F7E9760-4EDE-43AD-AB40-5A52FF8FFA21}"/>
               </a:ext>
             </a:extLst>
           </p:cNvPr>
@@ -4472,8 +4181,8 @@
         </p:nvSpPr>
         <p:spPr>
           <a:xfrm>
-            <a:off x="1815548" y="988099"/>
-            <a:ext cx="7315200" cy="1077218"/>
+            <a:off x="786427" y="313137"/>
+            <a:ext cx="6096000" cy="707886"/>
           </a:xfrm>
           <a:prstGeom prst="rect">
             <a:avLst/>
@@ -4487,58 +4196,273 @@
           <a:lstStyle/>
           <a:p>
             <a:r>
-              <a:rPr lang="en-US" sz="3200" b="1" i="0" u="none" strike="noStrike" baseline="0" dirty="0">
+              <a:rPr lang="en-US" sz="4000" b="1" i="0" u="none" strike="noStrike" baseline="0" dirty="0">
                 <a:solidFill>
                   <a:srgbClr val="222A9C"/>
                 </a:solidFill>
                 <a:latin typeface="PublicSans-Bold"/>
               </a:rPr>
-              <a:t>Modeling : Entity Extraction Results &amp; evaluation</a:t>
-            </a:r>
-            <a:endParaRPr lang="en-KE" sz="3200" dirty="0"/>
-          </a:p>
-        </p:txBody>
-      </p:sp>
-      <p:pic>
-        <p:nvPicPr>
-          <p:cNvPr id="5" name="Picture 4">
-            <a:extLst>
-              <a:ext uri="{FF2B5EF4-FFF2-40B4-BE49-F238E27FC236}">
-                <a16:creationId xmlns:a16="http://schemas.microsoft.com/office/drawing/2014/main" id="{BE70266D-308E-4969-A651-1910AC6D3974}"/>
-              </a:ext>
-            </a:extLst>
-          </p:cNvPr>
-          <p:cNvPicPr>
-            <a:picLocks noChangeAspect="1"/>
-          </p:cNvPicPr>
+              <a:t>Modeling</a:t>
+            </a:r>
+            <a:endParaRPr lang="en-KE" sz="4000" dirty="0"/>
+          </a:p>
+        </p:txBody>
+      </p:sp>
+      <p:sp>
+        <p:nvSpPr>
+          <p:cNvPr id="2" name="TextBox 1">
+            <a:extLst>
+              <a:ext uri="{FF2B5EF4-FFF2-40B4-BE49-F238E27FC236}">
+                <a16:creationId xmlns:a16="http://schemas.microsoft.com/office/drawing/2014/main" id="{BF527CA7-343E-4F2E-B084-C22C1F33D0D3}"/>
+              </a:ext>
+            </a:extLst>
+          </p:cNvPr>
+          <p:cNvSpPr txBox="1"/>
           <p:nvPr/>
-        </p:nvPicPr>
-        <p:blipFill>
-          <a:blip r:embed="rId3">
-            <a:extLst>
-              <a:ext uri="{28A0092B-C50C-407E-A947-70E740481C1C}">
-                <a14:useLocalDpi xmlns:a14="http://schemas.microsoft.com/office/drawing/2010/main" val="0"/>
-              </a:ext>
-            </a:extLst>
-          </a:blip>
-          <a:stretch>
-            <a:fillRect/>
-          </a:stretch>
-        </p:blipFill>
-        <p:spPr>
-          <a:xfrm>
-            <a:off x="1272209" y="2065317"/>
-            <a:ext cx="7500649" cy="3389974"/>
+        </p:nvSpPr>
+        <p:spPr>
+          <a:xfrm>
+            <a:off x="786427" y="1352952"/>
+            <a:ext cx="6265370" cy="369332"/>
           </a:xfrm>
           <a:prstGeom prst="rect">
             <a:avLst/>
           </a:prstGeom>
-        </p:spPr>
-      </p:pic>
+          <a:noFill/>
+        </p:spPr>
+        <p:txBody>
+          <a:bodyPr wrap="none" rtlCol="0">
+            <a:spAutoFit/>
+          </a:bodyPr>
+          <a:lstStyle/>
+          <a:p>
+            <a:r>
+              <a:rPr lang="en-US" dirty="0"/>
+              <a:t> A pretrained BERT model was used for Named Entity Recognition</a:t>
+            </a:r>
+            <a:endParaRPr lang="en-KE" dirty="0"/>
+          </a:p>
+        </p:txBody>
+      </p:sp>
+      <p:sp>
+        <p:nvSpPr>
+          <p:cNvPr id="4" name="TextBox 3">
+            <a:extLst>
+              <a:ext uri="{FF2B5EF4-FFF2-40B4-BE49-F238E27FC236}">
+                <a16:creationId xmlns:a16="http://schemas.microsoft.com/office/drawing/2014/main" id="{130F4A58-8604-4B1C-A324-7F44C0FEF214}"/>
+              </a:ext>
+            </a:extLst>
+          </p:cNvPr>
+          <p:cNvSpPr txBox="1"/>
+          <p:nvPr/>
+        </p:nvSpPr>
+        <p:spPr>
+          <a:xfrm>
+            <a:off x="786427" y="1999994"/>
+            <a:ext cx="10491173" cy="3693319"/>
+          </a:xfrm>
+          <a:prstGeom prst="rect">
+            <a:avLst/>
+          </a:prstGeom>
+          <a:noFill/>
+        </p:spPr>
+        <p:txBody>
+          <a:bodyPr wrap="square" rtlCol="0">
+            <a:spAutoFit/>
+          </a:bodyPr>
+          <a:lstStyle/>
+          <a:p>
+            <a:r>
+              <a:rPr lang="en-US" dirty="0">
+                <a:solidFill>
+                  <a:schemeClr val="bg2">
+                    <a:lumMod val="25000"/>
+                  </a:schemeClr>
+                </a:solidFill>
+              </a:rPr>
+              <a:t>BERT (Bidirectional Encoder Representations from Transformers), is a natural language processing (NLP) </a:t>
+            </a:r>
+          </a:p>
+          <a:p>
+            <a:r>
+              <a:rPr lang="en-US" dirty="0">
+                <a:solidFill>
+                  <a:schemeClr val="bg2">
+                    <a:lumMod val="25000"/>
+                  </a:schemeClr>
+                </a:solidFill>
+              </a:rPr>
+              <a:t>model. It’s designed to understand the context of words in a sentence by considering</a:t>
+            </a:r>
+          </a:p>
+          <a:p>
+            <a:r>
+              <a:rPr lang="en-US" dirty="0">
+                <a:solidFill>
+                  <a:schemeClr val="bg2">
+                    <a:lumMod val="25000"/>
+                  </a:schemeClr>
+                </a:solidFill>
+              </a:rPr>
+              <a:t>both the left and right surrounding words. Unlike traditional models that read text sequentially</a:t>
+            </a:r>
+          </a:p>
+          <a:p>
+            <a:r>
+              <a:rPr lang="en-US" dirty="0">
+                <a:solidFill>
+                  <a:schemeClr val="bg2">
+                    <a:lumMod val="25000"/>
+                  </a:schemeClr>
+                </a:solidFill>
+              </a:rPr>
+              <a:t>(left-to-right or right-to-left), BERT processes text in both directions, enabling it to capture the deeper meaning</a:t>
+            </a:r>
+          </a:p>
+          <a:p>
+            <a:r>
+              <a:rPr lang="en-US" dirty="0">
+                <a:solidFill>
+                  <a:schemeClr val="bg2">
+                    <a:lumMod val="25000"/>
+                  </a:schemeClr>
+                </a:solidFill>
+              </a:rPr>
+              <a:t>and nuances of words.</a:t>
+            </a:r>
+          </a:p>
+          <a:p>
+            <a:endParaRPr lang="en-US" dirty="0">
+              <a:solidFill>
+                <a:schemeClr val="bg2">
+                  <a:lumMod val="25000"/>
+                </a:schemeClr>
+              </a:solidFill>
+            </a:endParaRPr>
+          </a:p>
+          <a:p>
+            <a:pPr>
+              <a:buFont typeface="Arial" panose="020B0604020202020204" pitchFamily="34" charset="0"/>
+              <a:buChar char="•"/>
+            </a:pPr>
+            <a:r>
+              <a:rPr lang="en-US" b="1" dirty="0">
+                <a:solidFill>
+                  <a:schemeClr val="bg2">
+                    <a:lumMod val="25000"/>
+                  </a:schemeClr>
+                </a:solidFill>
+              </a:rPr>
+              <a:t>Bidirectional Contextualization</a:t>
+            </a:r>
+            <a:r>
+              <a:rPr lang="en-US" dirty="0">
+                <a:solidFill>
+                  <a:schemeClr val="bg2">
+                    <a:lumMod val="25000"/>
+                  </a:schemeClr>
+                </a:solidFill>
+              </a:rPr>
+              <a:t>: BERT uses a transformer architecture to read the entire sequence of words at </a:t>
+            </a:r>
+          </a:p>
+          <a:p>
+            <a:r>
+              <a:rPr lang="en-US" dirty="0">
+                <a:solidFill>
+                  <a:schemeClr val="bg2">
+                    <a:lumMod val="25000"/>
+                  </a:schemeClr>
+                </a:solidFill>
+              </a:rPr>
+              <a:t>once, which helps in understanding the context better.</a:t>
+            </a:r>
+          </a:p>
+          <a:p>
+            <a:pPr>
+              <a:buFont typeface="Arial" panose="020B0604020202020204" pitchFamily="34" charset="0"/>
+              <a:buChar char="•"/>
+            </a:pPr>
+            <a:r>
+              <a:rPr lang="en-US" b="1" dirty="0">
+                <a:solidFill>
+                  <a:schemeClr val="bg2">
+                    <a:lumMod val="25000"/>
+                  </a:schemeClr>
+                </a:solidFill>
+              </a:rPr>
+              <a:t>Pretraining and Fine-tuning</a:t>
+            </a:r>
+            <a:r>
+              <a:rPr lang="en-US" dirty="0">
+                <a:solidFill>
+                  <a:schemeClr val="bg2">
+                    <a:lumMod val="25000"/>
+                  </a:schemeClr>
+                </a:solidFill>
+              </a:rPr>
+              <a:t>: BERT is pretrained on large text corpora using unsupervised learning, making it </a:t>
+            </a:r>
+          </a:p>
+          <a:p>
+            <a:r>
+              <a:rPr lang="en-US" dirty="0">
+                <a:solidFill>
+                  <a:schemeClr val="bg2">
+                    <a:lumMod val="25000"/>
+                  </a:schemeClr>
+                </a:solidFill>
+              </a:rPr>
+              <a:t>highly versatile for named entity recognition.</a:t>
+            </a:r>
+          </a:p>
+          <a:p>
+            <a:pPr>
+              <a:buFont typeface="Arial" panose="020B0604020202020204" pitchFamily="34" charset="0"/>
+              <a:buChar char="•"/>
+            </a:pPr>
+            <a:r>
+              <a:rPr lang="en-US" b="1" dirty="0">
+                <a:solidFill>
+                  <a:schemeClr val="bg2">
+                    <a:lumMod val="25000"/>
+                  </a:schemeClr>
+                </a:solidFill>
+              </a:rPr>
+              <a:t>Transformers</a:t>
+            </a:r>
+            <a:r>
+              <a:rPr lang="en-US" dirty="0">
+                <a:solidFill>
+                  <a:schemeClr val="bg2">
+                    <a:lumMod val="25000"/>
+                  </a:schemeClr>
+                </a:solidFill>
+              </a:rPr>
+              <a:t>: The model is built on the transformer architecture, which relies on self-attention mechanisms</a:t>
+            </a:r>
+          </a:p>
+          <a:p>
+            <a:r>
+              <a:rPr lang="en-US" dirty="0">
+                <a:solidFill>
+                  <a:schemeClr val="bg2">
+                    <a:lumMod val="25000"/>
+                  </a:schemeClr>
+                </a:solidFill>
+              </a:rPr>
+              <a:t> to weigh the importance of different words in a sentence.</a:t>
+            </a:r>
+          </a:p>
+          <a:p>
+            <a:endParaRPr lang="en-KE" dirty="0"/>
+          </a:p>
+        </p:txBody>
+      </p:sp>
     </p:spTree>
     <p:extLst>
       <p:ext uri="{BB962C8B-B14F-4D97-AF65-F5344CB8AC3E}">
-        <p14:creationId xmlns:p14="http://schemas.microsoft.com/office/powerpoint/2010/main" val="553898546"/>
+        <p14:creationId xmlns:p14="http://schemas.microsoft.com/office/powerpoint/2010/main" val="1023953178"/>
       </p:ext>
     </p:extLst>
   </p:cSld>
@@ -4570,7 +4494,7 @@
           <p:cNvPr id="7" name="Picture 6">
             <a:extLst>
               <a:ext uri="{FF2B5EF4-FFF2-40B4-BE49-F238E27FC236}">
-                <a16:creationId xmlns:a16="http://schemas.microsoft.com/office/drawing/2014/main" id="{97707CEA-52D7-4346-B481-FE5BF2CA5590}"/>
+                <a16:creationId xmlns:a16="http://schemas.microsoft.com/office/drawing/2014/main" id="{13969E6C-2A23-41C4-BEF4-1980F64801BE}"/>
               </a:ext>
             </a:extLst>
           </p:cNvPr>
@@ -4593,8 +4517,8 @@
         </p:blipFill>
         <p:spPr>
           <a:xfrm>
-            <a:off x="-1" y="0"/>
-            <a:ext cx="12192001" cy="6830585"/>
+            <a:off x="0" y="0"/>
+            <a:ext cx="12192000" cy="6858000"/>
           </a:xfrm>
           <a:prstGeom prst="rect">
             <a:avLst/>
@@ -4606,7 +4530,7 @@
           <p:cNvPr id="3" name="TextBox 2">
             <a:extLst>
               <a:ext uri="{FF2B5EF4-FFF2-40B4-BE49-F238E27FC236}">
-                <a16:creationId xmlns:a16="http://schemas.microsoft.com/office/drawing/2014/main" id="{C8236A5D-5253-4584-8D7C-60234BC838C2}"/>
+                <a16:creationId xmlns:a16="http://schemas.microsoft.com/office/drawing/2014/main" id="{26886CBF-A4F8-477B-BCE2-498CB06678DA}"/>
               </a:ext>
             </a:extLst>
           </p:cNvPr>
@@ -4615,8 +4539,8 @@
         </p:nvSpPr>
         <p:spPr>
           <a:xfrm>
-            <a:off x="1298713" y="1127299"/>
-            <a:ext cx="7275444" cy="523220"/>
+            <a:off x="1815548" y="988099"/>
+            <a:ext cx="7315200" cy="1077218"/>
           </a:xfrm>
           <a:prstGeom prst="rect">
             <a:avLst/>
@@ -4630,15 +4554,15 @@
           <a:lstStyle/>
           <a:p>
             <a:r>
-              <a:rPr lang="en-US" sz="2800" b="1" i="0" u="none" strike="noStrike" baseline="0" dirty="0">
+              <a:rPr lang="en-US" sz="3200" b="1" i="0" u="none" strike="noStrike" baseline="0" dirty="0">
                 <a:solidFill>
                   <a:srgbClr val="222A9C"/>
                 </a:solidFill>
                 <a:latin typeface="PublicSans-Bold"/>
               </a:rPr>
-              <a:t>Modeling : Resume Text Extraction Results</a:t>
-            </a:r>
-            <a:endParaRPr lang="en-KE" sz="2800" dirty="0"/>
+              <a:t>Modeling : Entity Extraction Results &amp; evaluation</a:t>
+            </a:r>
+            <a:endParaRPr lang="en-KE" sz="3200" dirty="0"/>
           </a:p>
         </p:txBody>
       </p:sp>
@@ -4647,7 +4571,7 @@
           <p:cNvPr id="5" name="Picture 4">
             <a:extLst>
               <a:ext uri="{FF2B5EF4-FFF2-40B4-BE49-F238E27FC236}">
-                <a16:creationId xmlns:a16="http://schemas.microsoft.com/office/drawing/2014/main" id="{35395232-CB1D-4359-ACCC-288F6AD4B822}"/>
+                <a16:creationId xmlns:a16="http://schemas.microsoft.com/office/drawing/2014/main" id="{BE70266D-308E-4969-A651-1910AC6D3974}"/>
               </a:ext>
             </a:extLst>
           </p:cNvPr>
@@ -4670,8 +4594,8 @@
         </p:blipFill>
         <p:spPr>
           <a:xfrm>
-            <a:off x="1400640" y="1859795"/>
-            <a:ext cx="9426385" cy="4553330"/>
+            <a:off x="1272209" y="2065317"/>
+            <a:ext cx="7500649" cy="3389974"/>
           </a:xfrm>
           <a:prstGeom prst="rect">
             <a:avLst/>
@@ -4681,7 +4605,7 @@
     </p:spTree>
     <p:extLst>
       <p:ext uri="{BB962C8B-B14F-4D97-AF65-F5344CB8AC3E}">
-        <p14:creationId xmlns:p14="http://schemas.microsoft.com/office/powerpoint/2010/main" val="3214094912"/>
+        <p14:creationId xmlns:p14="http://schemas.microsoft.com/office/powerpoint/2010/main" val="553898546"/>
       </p:ext>
     </p:extLst>
   </p:cSld>
@@ -4710,10 +4634,10 @@
       </p:grpSpPr>
       <p:pic>
         <p:nvPicPr>
-          <p:cNvPr id="5" name="Picture 4">
-            <a:extLst>
-              <a:ext uri="{FF2B5EF4-FFF2-40B4-BE49-F238E27FC236}">
-                <a16:creationId xmlns:a16="http://schemas.microsoft.com/office/drawing/2014/main" id="{2365BA38-9305-4081-96FA-CF2A496A376B}"/>
+          <p:cNvPr id="7" name="Picture 6">
+            <a:extLst>
+              <a:ext uri="{FF2B5EF4-FFF2-40B4-BE49-F238E27FC236}">
+                <a16:creationId xmlns:a16="http://schemas.microsoft.com/office/drawing/2014/main" id="{97707CEA-52D7-4346-B481-FE5BF2CA5590}"/>
               </a:ext>
             </a:extLst>
           </p:cNvPr>
@@ -4736,20 +4660,61 @@
         </p:blipFill>
         <p:spPr>
           <a:xfrm>
-            <a:off x="0" y="0"/>
-            <a:ext cx="12192000" cy="6858000"/>
+            <a:off x="-1" y="0"/>
+            <a:ext cx="12192001" cy="6830585"/>
           </a:xfrm>
           <a:prstGeom prst="rect">
             <a:avLst/>
           </a:prstGeom>
         </p:spPr>
       </p:pic>
+      <p:sp>
+        <p:nvSpPr>
+          <p:cNvPr id="3" name="TextBox 2">
+            <a:extLst>
+              <a:ext uri="{FF2B5EF4-FFF2-40B4-BE49-F238E27FC236}">
+                <a16:creationId xmlns:a16="http://schemas.microsoft.com/office/drawing/2014/main" id="{C8236A5D-5253-4584-8D7C-60234BC838C2}"/>
+              </a:ext>
+            </a:extLst>
+          </p:cNvPr>
+          <p:cNvSpPr txBox="1"/>
+          <p:nvPr/>
+        </p:nvSpPr>
+        <p:spPr>
+          <a:xfrm>
+            <a:off x="1298713" y="1127299"/>
+            <a:ext cx="7275444" cy="523220"/>
+          </a:xfrm>
+          <a:prstGeom prst="rect">
+            <a:avLst/>
+          </a:prstGeom>
+          <a:noFill/>
+        </p:spPr>
+        <p:txBody>
+          <a:bodyPr wrap="square">
+            <a:spAutoFit/>
+          </a:bodyPr>
+          <a:lstStyle/>
+          <a:p>
+            <a:r>
+              <a:rPr lang="en-US" sz="2800" b="1" i="0" u="none" strike="noStrike" baseline="0" dirty="0">
+                <a:solidFill>
+                  <a:srgbClr val="222A9C"/>
+                </a:solidFill>
+                <a:latin typeface="PublicSans-Bold"/>
+              </a:rPr>
+              <a:t>Modeling : Resume Text Extraction Results</a:t>
+            </a:r>
+            <a:endParaRPr lang="en-KE" sz="2800" dirty="0"/>
+          </a:p>
+        </p:txBody>
+      </p:sp>
       <p:pic>
         <p:nvPicPr>
-          <p:cNvPr id="3" name="Picture 2">
-            <a:extLst>
-              <a:ext uri="{FF2B5EF4-FFF2-40B4-BE49-F238E27FC236}">
-                <a16:creationId xmlns:a16="http://schemas.microsoft.com/office/drawing/2014/main" id="{C57E143B-82E3-4EEF-A07B-97F51EA80B9E}"/>
+          <p:cNvPr id="5" name="Picture 4">
+            <a:extLst>
+              <a:ext uri="{FF2B5EF4-FFF2-40B4-BE49-F238E27FC236}">
+                <a16:creationId xmlns:a16="http://schemas.microsoft.com/office/drawing/2014/main" id="{35395232-CB1D-4359-ACCC-288F6AD4B822}"/>
               </a:ext>
             </a:extLst>
           </p:cNvPr>
@@ -4772,59 +4737,18 @@
         </p:blipFill>
         <p:spPr>
           <a:xfrm>
-            <a:off x="840938" y="2809461"/>
-            <a:ext cx="10289525" cy="3096385"/>
+            <a:off x="1400640" y="1859795"/>
+            <a:ext cx="9426385" cy="4553330"/>
           </a:xfrm>
           <a:prstGeom prst="rect">
             <a:avLst/>
           </a:prstGeom>
         </p:spPr>
       </p:pic>
-      <p:sp>
-        <p:nvSpPr>
-          <p:cNvPr id="7" name="TextBox 6">
-            <a:extLst>
-              <a:ext uri="{FF2B5EF4-FFF2-40B4-BE49-F238E27FC236}">
-                <a16:creationId xmlns:a16="http://schemas.microsoft.com/office/drawing/2014/main" id="{68F43FF2-3340-4203-B500-9372BC22F096}"/>
-              </a:ext>
-            </a:extLst>
-          </p:cNvPr>
-          <p:cNvSpPr txBox="1"/>
-          <p:nvPr/>
-        </p:nvSpPr>
-        <p:spPr>
-          <a:xfrm>
-            <a:off x="735496" y="1857307"/>
-            <a:ext cx="9124121" cy="584775"/>
-          </a:xfrm>
-          <a:prstGeom prst="rect">
-            <a:avLst/>
-          </a:prstGeom>
-          <a:noFill/>
-        </p:spPr>
-        <p:txBody>
-          <a:bodyPr wrap="square">
-            <a:spAutoFit/>
-          </a:bodyPr>
-          <a:lstStyle/>
-          <a:p>
-            <a:r>
-              <a:rPr lang="en-US" sz="3200" b="1" i="0" u="none" strike="noStrike" baseline="0" dirty="0">
-                <a:solidFill>
-                  <a:srgbClr val="222A9C"/>
-                </a:solidFill>
-                <a:latin typeface="PublicSans-Bold"/>
-              </a:rPr>
-              <a:t>Modeling : Sample Resume NER Extraction Results</a:t>
-            </a:r>
-            <a:endParaRPr lang="en-KE" sz="3200" dirty="0"/>
-          </a:p>
-        </p:txBody>
-      </p:sp>
     </p:spTree>
     <p:extLst>
       <p:ext uri="{BB962C8B-B14F-4D97-AF65-F5344CB8AC3E}">
-        <p14:creationId xmlns:p14="http://schemas.microsoft.com/office/powerpoint/2010/main" val="1664938182"/>
+        <p14:creationId xmlns:p14="http://schemas.microsoft.com/office/powerpoint/2010/main" val="3214094912"/>
       </p:ext>
     </p:extLst>
   </p:cSld>
@@ -4851,53 +4775,12 @@
           <a:chExt cx="0" cy="0"/>
         </a:xfrm>
       </p:grpSpPr>
-      <p:sp>
-        <p:nvSpPr>
-          <p:cNvPr id="3" name="TextBox 2">
-            <a:extLst>
-              <a:ext uri="{FF2B5EF4-FFF2-40B4-BE49-F238E27FC236}">
-                <a16:creationId xmlns:a16="http://schemas.microsoft.com/office/drawing/2014/main" id="{DA3C41B7-32F6-4F58-B97F-FE1550F7F58D}"/>
-              </a:ext>
-            </a:extLst>
-          </p:cNvPr>
-          <p:cNvSpPr txBox="1"/>
-          <p:nvPr/>
-        </p:nvSpPr>
-        <p:spPr>
-          <a:xfrm>
-            <a:off x="1113181" y="1047786"/>
-            <a:ext cx="8083827" cy="523220"/>
-          </a:xfrm>
-          <a:prstGeom prst="rect">
-            <a:avLst/>
-          </a:prstGeom>
-          <a:noFill/>
-        </p:spPr>
-        <p:txBody>
-          <a:bodyPr wrap="square">
-            <a:spAutoFit/>
-          </a:bodyPr>
-          <a:lstStyle/>
-          <a:p>
-            <a:r>
-              <a:rPr lang="en-US" sz="2800" b="1" i="0" u="none" strike="noStrike" baseline="0" dirty="0">
-                <a:solidFill>
-                  <a:srgbClr val="222A9C"/>
-                </a:solidFill>
-                <a:latin typeface="PublicSans-Bold"/>
-              </a:rPr>
-              <a:t>Modeling : Sample Resume CV Scoring Output</a:t>
-            </a:r>
-            <a:endParaRPr lang="en-KE" sz="2800" dirty="0"/>
-          </a:p>
-        </p:txBody>
-      </p:sp>
       <p:pic>
         <p:nvPicPr>
           <p:cNvPr id="5" name="Picture 4">
             <a:extLst>
               <a:ext uri="{FF2B5EF4-FFF2-40B4-BE49-F238E27FC236}">
-                <a16:creationId xmlns:a16="http://schemas.microsoft.com/office/drawing/2014/main" id="{DD5D1558-F73B-498C-BF79-698B8011E16E}"/>
+                <a16:creationId xmlns:a16="http://schemas.microsoft.com/office/drawing/2014/main" id="{2365BA38-9305-4081-96FA-CF2A496A376B}"/>
               </a:ext>
             </a:extLst>
           </p:cNvPr>
@@ -4920,18 +4803,95 @@
         </p:blipFill>
         <p:spPr>
           <a:xfrm>
-            <a:off x="1113181" y="2051555"/>
-            <a:ext cx="9581323" cy="3942208"/>
+            <a:off x="0" y="0"/>
+            <a:ext cx="12192000" cy="6858000"/>
           </a:xfrm>
           <a:prstGeom prst="rect">
             <a:avLst/>
           </a:prstGeom>
         </p:spPr>
       </p:pic>
+      <p:pic>
+        <p:nvPicPr>
+          <p:cNvPr id="3" name="Picture 2">
+            <a:extLst>
+              <a:ext uri="{FF2B5EF4-FFF2-40B4-BE49-F238E27FC236}">
+                <a16:creationId xmlns:a16="http://schemas.microsoft.com/office/drawing/2014/main" id="{C57E143B-82E3-4EEF-A07B-97F51EA80B9E}"/>
+              </a:ext>
+            </a:extLst>
+          </p:cNvPr>
+          <p:cNvPicPr>
+            <a:picLocks noChangeAspect="1"/>
+          </p:cNvPicPr>
+          <p:nvPr/>
+        </p:nvPicPr>
+        <p:blipFill>
+          <a:blip r:embed="rId3">
+            <a:extLst>
+              <a:ext uri="{28A0092B-C50C-407E-A947-70E740481C1C}">
+                <a14:useLocalDpi xmlns:a14="http://schemas.microsoft.com/office/drawing/2010/main" val="0"/>
+              </a:ext>
+            </a:extLst>
+          </a:blip>
+          <a:stretch>
+            <a:fillRect/>
+          </a:stretch>
+        </p:blipFill>
+        <p:spPr>
+          <a:xfrm>
+            <a:off x="840938" y="2809461"/>
+            <a:ext cx="10289525" cy="3096385"/>
+          </a:xfrm>
+          <a:prstGeom prst="rect">
+            <a:avLst/>
+          </a:prstGeom>
+        </p:spPr>
+      </p:pic>
+      <p:sp>
+        <p:nvSpPr>
+          <p:cNvPr id="7" name="TextBox 6">
+            <a:extLst>
+              <a:ext uri="{FF2B5EF4-FFF2-40B4-BE49-F238E27FC236}">
+                <a16:creationId xmlns:a16="http://schemas.microsoft.com/office/drawing/2014/main" id="{68F43FF2-3340-4203-B500-9372BC22F096}"/>
+              </a:ext>
+            </a:extLst>
+          </p:cNvPr>
+          <p:cNvSpPr txBox="1"/>
+          <p:nvPr/>
+        </p:nvSpPr>
+        <p:spPr>
+          <a:xfrm>
+            <a:off x="735496" y="1857307"/>
+            <a:ext cx="9124121" cy="584775"/>
+          </a:xfrm>
+          <a:prstGeom prst="rect">
+            <a:avLst/>
+          </a:prstGeom>
+          <a:noFill/>
+        </p:spPr>
+        <p:txBody>
+          <a:bodyPr wrap="square">
+            <a:spAutoFit/>
+          </a:bodyPr>
+          <a:lstStyle/>
+          <a:p>
+            <a:r>
+              <a:rPr lang="en-US" sz="3200" b="1" i="0" u="none" strike="noStrike" baseline="0" dirty="0">
+                <a:solidFill>
+                  <a:srgbClr val="222A9C"/>
+                </a:solidFill>
+                <a:latin typeface="PublicSans-Bold"/>
+              </a:rPr>
+              <a:t>Modeling : Sample Resume NER Extraction Results</a:t>
+            </a:r>
+            <a:endParaRPr lang="en-KE" sz="3200" dirty="0"/>
+          </a:p>
+        </p:txBody>
+      </p:sp>
     </p:spTree>
     <p:extLst>
       <p:ext uri="{BB962C8B-B14F-4D97-AF65-F5344CB8AC3E}">
-        <p14:creationId xmlns:p14="http://schemas.microsoft.com/office/powerpoint/2010/main" val="2606247272"/>
+        <p14:creationId xmlns:p14="http://schemas.microsoft.com/office/powerpoint/2010/main" val="1664938182"/>
       </p:ext>
     </p:extLst>
   </p:cSld>
@@ -4960,10 +4920,10 @@
       </p:grpSpPr>
       <p:pic>
         <p:nvPicPr>
-          <p:cNvPr id="6" name="Picture 5">
-            <a:extLst>
-              <a:ext uri="{FF2B5EF4-FFF2-40B4-BE49-F238E27FC236}">
-                <a16:creationId xmlns:a16="http://schemas.microsoft.com/office/drawing/2014/main" id="{F050BB25-0CE6-4D6D-A409-49627E402A45}"/>
+          <p:cNvPr id="7" name="Picture 6">
+            <a:extLst>
+              <a:ext uri="{FF2B5EF4-FFF2-40B4-BE49-F238E27FC236}">
+                <a16:creationId xmlns:a16="http://schemas.microsoft.com/office/drawing/2014/main" id="{0D85F237-0FEE-429C-B0F8-6646C8CD728E}"/>
               </a:ext>
             </a:extLst>
           </p:cNvPr>
@@ -4999,7 +4959,7 @@
           <p:cNvPr id="3" name="TextBox 2">
             <a:extLst>
               <a:ext uri="{FF2B5EF4-FFF2-40B4-BE49-F238E27FC236}">
-                <a16:creationId xmlns:a16="http://schemas.microsoft.com/office/drawing/2014/main" id="{80327505-F0BE-4036-9F77-A6BF9B183704}"/>
+                <a16:creationId xmlns:a16="http://schemas.microsoft.com/office/drawing/2014/main" id="{DA3C41B7-32F6-4F58-B97F-FE1550F7F58D}"/>
               </a:ext>
             </a:extLst>
           </p:cNvPr>
@@ -5008,8 +4968,8 @@
         </p:nvSpPr>
         <p:spPr>
           <a:xfrm>
-            <a:off x="2382900" y="2505526"/>
-            <a:ext cx="6096000" cy="646331"/>
+            <a:off x="1113181" y="1047786"/>
+            <a:ext cx="8083827" cy="523220"/>
           </a:xfrm>
           <a:prstGeom prst="rect">
             <a:avLst/>
@@ -5023,70 +4983,58 @@
           <a:lstStyle/>
           <a:p>
             <a:r>
-              <a:rPr lang="en-US" sz="3600" b="1" i="0" u="none" strike="noStrike" baseline="0" dirty="0">
+              <a:rPr lang="en-US" sz="2800" b="1" i="0" u="none" strike="noStrike" baseline="0" dirty="0">
                 <a:solidFill>
                   <a:srgbClr val="222A9C"/>
                 </a:solidFill>
                 <a:latin typeface="PublicSans-Bold"/>
               </a:rPr>
-              <a:t>Streamlit App:</a:t>
-            </a:r>
-            <a:endParaRPr lang="en-KE" sz="3600" dirty="0"/>
-          </a:p>
-        </p:txBody>
-      </p:sp>
-      <p:sp>
-        <p:nvSpPr>
-          <p:cNvPr id="4" name="TextBox 3">
-            <a:extLst>
-              <a:ext uri="{FF2B5EF4-FFF2-40B4-BE49-F238E27FC236}">
-                <a16:creationId xmlns:a16="http://schemas.microsoft.com/office/drawing/2014/main" id="{2ACFEAE7-F601-43EB-A9BD-53C7911F5FE5}"/>
-              </a:ext>
-            </a:extLst>
-          </p:cNvPr>
-          <p:cNvSpPr txBox="1"/>
+              <a:t>Modeling : Sample Resume CV Scoring Output</a:t>
+            </a:r>
+            <a:endParaRPr lang="en-KE" sz="2800" dirty="0"/>
+          </a:p>
+        </p:txBody>
+      </p:sp>
+      <p:pic>
+        <p:nvPicPr>
+          <p:cNvPr id="5" name="Picture 4">
+            <a:extLst>
+              <a:ext uri="{FF2B5EF4-FFF2-40B4-BE49-F238E27FC236}">
+                <a16:creationId xmlns:a16="http://schemas.microsoft.com/office/drawing/2014/main" id="{DD5D1558-F73B-498C-BF79-698B8011E16E}"/>
+              </a:ext>
+            </a:extLst>
+          </p:cNvPr>
+          <p:cNvPicPr>
+            <a:picLocks noChangeAspect="1"/>
+          </p:cNvPicPr>
           <p:nvPr/>
-        </p:nvSpPr>
-        <p:spPr>
-          <a:xfrm>
-            <a:off x="2382900" y="3429000"/>
-            <a:ext cx="6455678" cy="1384995"/>
+        </p:nvPicPr>
+        <p:blipFill>
+          <a:blip r:embed="rId3">
+            <a:extLst>
+              <a:ext uri="{28A0092B-C50C-407E-A947-70E740481C1C}">
+                <a14:useLocalDpi xmlns:a14="http://schemas.microsoft.com/office/drawing/2010/main" val="0"/>
+              </a:ext>
+            </a:extLst>
+          </a:blip>
+          <a:stretch>
+            <a:fillRect/>
+          </a:stretch>
+        </p:blipFill>
+        <p:spPr>
+          <a:xfrm>
+            <a:off x="1113181" y="2051555"/>
+            <a:ext cx="9581323" cy="3942208"/>
           </a:xfrm>
           <a:prstGeom prst="rect">
             <a:avLst/>
           </a:prstGeom>
-          <a:noFill/>
-        </p:spPr>
-        <p:txBody>
-          <a:bodyPr wrap="none" rtlCol="0">
-            <a:spAutoFit/>
-          </a:bodyPr>
-          <a:lstStyle/>
-          <a:p>
-            <a:r>
-              <a:rPr lang="en-US" sz="2800" dirty="0"/>
-              <a:t>A streamlit app was developed for Model </a:t>
-            </a:r>
-          </a:p>
-          <a:p>
-            <a:r>
-              <a:rPr lang="en-US" sz="2800" dirty="0"/>
-              <a:t>deployment to allow an interactive </a:t>
-            </a:r>
-          </a:p>
-          <a:p>
-            <a:r>
-              <a:rPr lang="en-US" sz="2800" dirty="0"/>
-              <a:t>Visualization of the Resume Parsing Project</a:t>
-            </a:r>
-            <a:endParaRPr lang="en-KE" sz="2800" dirty="0"/>
-          </a:p>
-        </p:txBody>
-      </p:sp>
+        </p:spPr>
+      </p:pic>
     </p:spTree>
     <p:extLst>
       <p:ext uri="{BB962C8B-B14F-4D97-AF65-F5344CB8AC3E}">
-        <p14:creationId xmlns:p14="http://schemas.microsoft.com/office/powerpoint/2010/main" val="3981884994"/>
+        <p14:creationId xmlns:p14="http://schemas.microsoft.com/office/powerpoint/2010/main" val="2606247272"/>
       </p:ext>
     </p:extLst>
   </p:cSld>
@@ -5115,10 +5063,10 @@
       </p:grpSpPr>
       <p:pic>
         <p:nvPicPr>
-          <p:cNvPr id="5" name="Picture 4">
-            <a:extLst>
-              <a:ext uri="{FF2B5EF4-FFF2-40B4-BE49-F238E27FC236}">
-                <a16:creationId xmlns:a16="http://schemas.microsoft.com/office/drawing/2014/main" id="{1BCBDD22-917B-4A54-B519-0064EB107E47}"/>
+          <p:cNvPr id="6" name="Picture 5">
+            <a:extLst>
+              <a:ext uri="{FF2B5EF4-FFF2-40B4-BE49-F238E27FC236}">
+                <a16:creationId xmlns:a16="http://schemas.microsoft.com/office/drawing/2014/main" id="{F050BB25-0CE6-4D6D-A409-49627E402A45}"/>
               </a:ext>
             </a:extLst>
           </p:cNvPr>
@@ -5141,8 +5089,8 @@
         </p:blipFill>
         <p:spPr>
           <a:xfrm>
-            <a:off x="0" y="-1"/>
-            <a:ext cx="12192000" cy="6758609"/>
+            <a:off x="0" y="0"/>
+            <a:ext cx="12192000" cy="6858000"/>
           </a:xfrm>
           <a:prstGeom prst="rect">
             <a:avLst/>
@@ -5154,7 +5102,7 @@
           <p:cNvPr id="3" name="TextBox 2">
             <a:extLst>
               <a:ext uri="{FF2B5EF4-FFF2-40B4-BE49-F238E27FC236}">
-                <a16:creationId xmlns:a16="http://schemas.microsoft.com/office/drawing/2014/main" id="{2D9AD88F-97D9-4B15-93DE-A3416E75E161}"/>
+                <a16:creationId xmlns:a16="http://schemas.microsoft.com/office/drawing/2014/main" id="{80327505-F0BE-4036-9F77-A6BF9B183704}"/>
               </a:ext>
             </a:extLst>
           </p:cNvPr>
@@ -5163,8 +5111,8 @@
         </p:nvSpPr>
         <p:spPr>
           <a:xfrm>
-            <a:off x="1245702" y="1609108"/>
-            <a:ext cx="7991061" cy="2680093"/>
+            <a:off x="4914065" y="3429000"/>
+            <a:ext cx="6096000" cy="646331"/>
           </a:xfrm>
           <a:prstGeom prst="rect">
             <a:avLst/>
@@ -5178,53 +5126,70 @@
           <a:lstStyle/>
           <a:p>
             <a:r>
-              <a:rPr lang="en-US" sz="4000" b="1" i="0" u="none" strike="noStrike" baseline="0" dirty="0">
+              <a:rPr lang="en-US" sz="3600" b="1" i="0" u="none" strike="noStrike" baseline="0" dirty="0">
                 <a:solidFill>
                   <a:srgbClr val="222A9C"/>
                 </a:solidFill>
                 <a:latin typeface="PublicSans-Bold"/>
               </a:rPr>
-              <a:t>Challenges:</a:t>
-            </a:r>
-          </a:p>
-          <a:p>
-            <a:r>
-              <a:rPr lang="en-US" sz="2400" dirty="0"/>
-              <a:t> </a:t>
-            </a:r>
-          </a:p>
-          <a:p>
-            <a:pPr marL="457200" indent="-457200">
-              <a:lnSpc>
-                <a:spcPct val="200000"/>
-              </a:lnSpc>
-              <a:buFont typeface="Arial" panose="020B0604020202020204" pitchFamily="34" charset="0"/>
-              <a:buChar char="•"/>
-            </a:pPr>
+              <a:t>Streamlit App:</a:t>
+            </a:r>
+            <a:endParaRPr lang="en-KE" sz="3600" dirty="0"/>
+          </a:p>
+        </p:txBody>
+      </p:sp>
+      <p:sp>
+        <p:nvSpPr>
+          <p:cNvPr id="4" name="TextBox 3">
+            <a:extLst>
+              <a:ext uri="{FF2B5EF4-FFF2-40B4-BE49-F238E27FC236}">
+                <a16:creationId xmlns:a16="http://schemas.microsoft.com/office/drawing/2014/main" id="{2ACFEAE7-F601-43EB-A9BD-53C7911F5FE5}"/>
+              </a:ext>
+            </a:extLst>
+          </p:cNvPr>
+          <p:cNvSpPr txBox="1"/>
+          <p:nvPr/>
+        </p:nvSpPr>
+        <p:spPr>
+          <a:xfrm>
+            <a:off x="3111769" y="4295579"/>
+            <a:ext cx="6455678" cy="1384995"/>
+          </a:xfrm>
+          <a:prstGeom prst="rect">
+            <a:avLst/>
+          </a:prstGeom>
+          <a:noFill/>
+        </p:spPr>
+        <p:txBody>
+          <a:bodyPr wrap="none" rtlCol="0">
+            <a:spAutoFit/>
+          </a:bodyPr>
+          <a:lstStyle/>
+          <a:p>
             <a:r>
               <a:rPr lang="en-US" sz="2800" dirty="0"/>
-              <a:t>Lack of compute capacity to use a larger dataset. </a:t>
-            </a:r>
-          </a:p>
-          <a:p>
-            <a:pPr marL="457200" indent="-457200">
-              <a:lnSpc>
-                <a:spcPct val="200000"/>
-              </a:lnSpc>
-              <a:buFont typeface="Arial" panose="020B0604020202020204" pitchFamily="34" charset="0"/>
-              <a:buChar char="•"/>
-            </a:pPr>
+              <a:t>A streamlit app was developed for Model </a:t>
+            </a:r>
+          </a:p>
+          <a:p>
             <a:r>
               <a:rPr lang="en-US" sz="2800" dirty="0"/>
-              <a:t>Poor Streamlit app deployment</a:t>
-            </a:r>
+              <a:t>deployment to allow an interactive </a:t>
+            </a:r>
+          </a:p>
+          <a:p>
+            <a:r>
+              <a:rPr lang="en-US" sz="2800" dirty="0"/>
+              <a:t>Visualization of the Resume Parsing Project</a:t>
+            </a:r>
+            <a:endParaRPr lang="en-KE" sz="2800" dirty="0"/>
           </a:p>
         </p:txBody>
       </p:sp>
     </p:spTree>
     <p:extLst>
       <p:ext uri="{BB962C8B-B14F-4D97-AF65-F5344CB8AC3E}">
-        <p14:creationId xmlns:p14="http://schemas.microsoft.com/office/powerpoint/2010/main" val="4181682908"/>
+        <p14:creationId xmlns:p14="http://schemas.microsoft.com/office/powerpoint/2010/main" val="3981884994"/>
       </p:ext>
     </p:extLst>
   </p:cSld>
@@ -5416,7 +5381,24 @@
                 <a:ea typeface="Calibri" panose="020F0502020204030204" pitchFamily="34" charset="0"/>
                 <a:cs typeface="Times New Roman" panose="02020603050405020304" pitchFamily="18" charset="0"/>
               </a:rPr>
-              <a:t>Previous Resume Parsing Methods</a:t>
+              <a:t>Old vs </a:t>
+            </a:r>
+            <a:r>
+              <a:rPr lang="en-US" sz="2400" b="1" dirty="0">
+                <a:latin typeface="Calibri" panose="020F0502020204030204" pitchFamily="34" charset="0"/>
+                <a:ea typeface="Calibri" panose="020F0502020204030204" pitchFamily="34" charset="0"/>
+                <a:cs typeface="Times New Roman" panose="02020603050405020304" pitchFamily="18" charset="0"/>
+              </a:rPr>
+              <a:t>Modern </a:t>
+            </a:r>
+            <a:r>
+              <a:rPr lang="en-US" sz="2400" b="1" dirty="0">
+                <a:effectLst/>
+                <a:latin typeface="Calibri" panose="020F0502020204030204" pitchFamily="34" charset="0"/>
+                <a:ea typeface="Calibri" panose="020F0502020204030204" pitchFamily="34" charset="0"/>
+                <a:cs typeface="Times New Roman" panose="02020603050405020304" pitchFamily="18" charset="0"/>
+              </a:rPr>
+              <a:t>Resume Parsing Methods</a:t>
             </a:r>
             <a:endParaRPr lang="en-KE" sz="2400" b="1" dirty="0">
               <a:effectLst/>
@@ -5617,7 +5599,7 @@
           <p:cNvPr id="5" name="Picture 4">
             <a:extLst>
               <a:ext uri="{FF2B5EF4-FFF2-40B4-BE49-F238E27FC236}">
-                <a16:creationId xmlns:a16="http://schemas.microsoft.com/office/drawing/2014/main" id="{A03A03C4-4EA9-4E4B-ACAE-C103E511512C}"/>
+                <a16:creationId xmlns:a16="http://schemas.microsoft.com/office/drawing/2014/main" id="{1BCBDD22-917B-4A54-B519-0064EB107E47}"/>
               </a:ext>
             </a:extLst>
           </p:cNvPr>
@@ -5640,8 +5622,8 @@
         </p:blipFill>
         <p:spPr>
           <a:xfrm>
-            <a:off x="0" y="0"/>
-            <a:ext cx="12192000" cy="6858000"/>
+            <a:off x="0" y="-1"/>
+            <a:ext cx="12192000" cy="6758609"/>
           </a:xfrm>
           <a:prstGeom prst="rect">
             <a:avLst/>
@@ -5653,7 +5635,7 @@
           <p:cNvPr id="3" name="TextBox 2">
             <a:extLst>
               <a:ext uri="{FF2B5EF4-FFF2-40B4-BE49-F238E27FC236}">
-                <a16:creationId xmlns:a16="http://schemas.microsoft.com/office/drawing/2014/main" id="{EE39D505-CEF5-488E-AFB0-B00DC083CFA2}"/>
+                <a16:creationId xmlns:a16="http://schemas.microsoft.com/office/drawing/2014/main" id="{2D9AD88F-97D9-4B15-93DE-A3416E75E161}"/>
               </a:ext>
             </a:extLst>
           </p:cNvPr>
@@ -5662,8 +5644,8 @@
         </p:nvSpPr>
         <p:spPr>
           <a:xfrm>
-            <a:off x="914398" y="2200726"/>
-            <a:ext cx="10084905" cy="3847207"/>
+            <a:off x="1245702" y="1609108"/>
+            <a:ext cx="7991061" cy="2680093"/>
           </a:xfrm>
           <a:prstGeom prst="rect">
             <a:avLst/>
@@ -5677,6 +5659,144 @@
           <a:lstStyle/>
           <a:p>
             <a:r>
+              <a:rPr lang="en-US" sz="4000" b="1" i="0" u="none" strike="noStrike" baseline="0" dirty="0">
+                <a:solidFill>
+                  <a:srgbClr val="222A9C"/>
+                </a:solidFill>
+                <a:latin typeface="PublicSans-Bold"/>
+              </a:rPr>
+              <a:t>Challenges:</a:t>
+            </a:r>
+          </a:p>
+          <a:p>
+            <a:r>
+              <a:rPr lang="en-US" sz="2400" dirty="0"/>
+              <a:t> </a:t>
+            </a:r>
+          </a:p>
+          <a:p>
+            <a:pPr marL="457200" indent="-457200">
+              <a:lnSpc>
+                <a:spcPct val="200000"/>
+              </a:lnSpc>
+              <a:buFont typeface="Arial" panose="020B0604020202020204" pitchFamily="34" charset="0"/>
+              <a:buChar char="•"/>
+            </a:pPr>
+            <a:r>
+              <a:rPr lang="en-US" sz="2800" dirty="0"/>
+              <a:t>Lack of compute capacity to use a larger dataset. </a:t>
+            </a:r>
+          </a:p>
+          <a:p>
+            <a:pPr marL="457200" indent="-457200">
+              <a:lnSpc>
+                <a:spcPct val="200000"/>
+              </a:lnSpc>
+              <a:buFont typeface="Arial" panose="020B0604020202020204" pitchFamily="34" charset="0"/>
+              <a:buChar char="•"/>
+            </a:pPr>
+            <a:r>
+              <a:rPr lang="en-US" sz="2800" dirty="0"/>
+              <a:t>Poor Streamlit app deployment</a:t>
+            </a:r>
+          </a:p>
+        </p:txBody>
+      </p:sp>
+    </p:spTree>
+    <p:extLst>
+      <p:ext uri="{BB962C8B-B14F-4D97-AF65-F5344CB8AC3E}">
+        <p14:creationId xmlns:p14="http://schemas.microsoft.com/office/powerpoint/2010/main" val="4181682908"/>
+      </p:ext>
+    </p:extLst>
+  </p:cSld>
+  <p:clrMapOvr>
+    <a:masterClrMapping/>
+  </p:clrMapOvr>
+</p:sld>
+</file>
+
+<file path=ppt/slides/slide21.xml><?xml version="1.0" encoding="utf-8"?>
+<p:sld xmlns:a="http://schemas.openxmlformats.org/drawingml/2006/main" xmlns:r="http://schemas.openxmlformats.org/officeDocument/2006/relationships" xmlns:p="http://schemas.openxmlformats.org/presentationml/2006/main">
+  <p:cSld>
+    <p:spTree>
+      <p:nvGrpSpPr>
+        <p:cNvPr id="1" name=""/>
+        <p:cNvGrpSpPr/>
+        <p:nvPr/>
+      </p:nvGrpSpPr>
+      <p:grpSpPr>
+        <a:xfrm>
+          <a:off x="0" y="0"/>
+          <a:ext cx="0" cy="0"/>
+          <a:chOff x="0" y="0"/>
+          <a:chExt cx="0" cy="0"/>
+        </a:xfrm>
+      </p:grpSpPr>
+      <p:pic>
+        <p:nvPicPr>
+          <p:cNvPr id="5" name="Picture 4">
+            <a:extLst>
+              <a:ext uri="{FF2B5EF4-FFF2-40B4-BE49-F238E27FC236}">
+                <a16:creationId xmlns:a16="http://schemas.microsoft.com/office/drawing/2014/main" id="{A03A03C4-4EA9-4E4B-ACAE-C103E511512C}"/>
+              </a:ext>
+            </a:extLst>
+          </p:cNvPr>
+          <p:cNvPicPr>
+            <a:picLocks noChangeAspect="1"/>
+          </p:cNvPicPr>
+          <p:nvPr/>
+        </p:nvPicPr>
+        <p:blipFill>
+          <a:blip r:embed="rId2">
+            <a:extLst>
+              <a:ext uri="{28A0092B-C50C-407E-A947-70E740481C1C}">
+                <a14:useLocalDpi xmlns:a14="http://schemas.microsoft.com/office/drawing/2010/main" val="0"/>
+              </a:ext>
+            </a:extLst>
+          </a:blip>
+          <a:stretch>
+            <a:fillRect/>
+          </a:stretch>
+        </p:blipFill>
+        <p:spPr>
+          <a:xfrm>
+            <a:off x="0" y="0"/>
+            <a:ext cx="12192000" cy="6858000"/>
+          </a:xfrm>
+          <a:prstGeom prst="rect">
+            <a:avLst/>
+          </a:prstGeom>
+        </p:spPr>
+      </p:pic>
+      <p:sp>
+        <p:nvSpPr>
+          <p:cNvPr id="3" name="TextBox 2">
+            <a:extLst>
+              <a:ext uri="{FF2B5EF4-FFF2-40B4-BE49-F238E27FC236}">
+                <a16:creationId xmlns:a16="http://schemas.microsoft.com/office/drawing/2014/main" id="{EE39D505-CEF5-488E-AFB0-B00DC083CFA2}"/>
+              </a:ext>
+            </a:extLst>
+          </p:cNvPr>
+          <p:cNvSpPr txBox="1"/>
+          <p:nvPr/>
+        </p:nvSpPr>
+        <p:spPr>
+          <a:xfrm>
+            <a:off x="914398" y="1750152"/>
+            <a:ext cx="10084905" cy="5324535"/>
+          </a:xfrm>
+          <a:prstGeom prst="rect">
+            <a:avLst/>
+          </a:prstGeom>
+          <a:noFill/>
+        </p:spPr>
+        <p:txBody>
+          <a:bodyPr wrap="square">
+            <a:spAutoFit/>
+          </a:bodyPr>
+          <a:lstStyle/>
+          <a:p>
+            <a:r>
               <a:rPr lang="en-US" sz="4400" b="1" i="0" u="none" strike="noStrike" baseline="0" dirty="0">
                 <a:solidFill>
                   <a:srgbClr val="222A9C"/>
@@ -5709,7 +5829,7 @@
             </a:pPr>
             <a:r>
               <a:rPr lang="en-US" sz="3200" dirty="0"/>
-              <a:t>Batch resume handling.</a:t>
+              <a:t>Upgrade compute power for model training on a large dataset.</a:t>
             </a:r>
           </a:p>
           <a:p>
@@ -5717,10 +5837,7 @@
               <a:buFont typeface="Arial" panose="020B0604020202020204" pitchFamily="34" charset="0"/>
               <a:buChar char="•"/>
             </a:pPr>
-            <a:r>
-              <a:rPr lang="en-US" sz="3200" dirty="0"/>
-              <a:t>Highly interactive Streamlit app.</a:t>
-            </a:r>
+            <a:endParaRPr lang="en-US" sz="3200" dirty="0"/>
           </a:p>
           <a:p>
             <a:pPr marL="457200" indent="-457200">
@@ -5729,12 +5846,27 @@
             </a:pPr>
             <a:r>
               <a:rPr lang="en-US" sz="3200" dirty="0"/>
-              <a:t>Upgrade compute power for model training on </a:t>
-            </a:r>
-            <a:r>
-              <a:rPr lang="en-US" sz="3200"/>
-              <a:t>large datasets.</a:t>
-            </a:r>
+              <a:t>Batch resume handling.</a:t>
+            </a:r>
+          </a:p>
+          <a:p>
+            <a:pPr marL="457200" indent="-457200">
+              <a:buFont typeface="Arial" panose="020B0604020202020204" pitchFamily="34" charset="0"/>
+              <a:buChar char="•"/>
+            </a:pPr>
+            <a:r>
+              <a:rPr lang="en-US" sz="3200" dirty="0"/>
+              <a:t>Highly interactive Streamlit app.</a:t>
+            </a:r>
+          </a:p>
+          <a:p>
+            <a:endParaRPr lang="en-US" sz="3200" dirty="0"/>
+          </a:p>
+          <a:p>
+            <a:pPr marL="457200" indent="-457200">
+              <a:buFont typeface="Arial" panose="020B0604020202020204" pitchFamily="34" charset="0"/>
+              <a:buChar char="•"/>
+            </a:pPr>
             <a:endParaRPr lang="en-KE" sz="3200" dirty="0"/>
           </a:p>
         </p:txBody>
@@ -5872,7 +6004,7 @@
         <p:spPr>
           <a:xfrm>
             <a:off x="1663145" y="1366653"/>
-            <a:ext cx="7878419" cy="4431983"/>
+            <a:ext cx="7878419" cy="4801314"/>
           </a:xfrm>
           <a:prstGeom prst="rect">
             <a:avLst/>
@@ -5936,7 +6068,211 @@
                 <a:ea typeface="Calibri" panose="020F0502020204030204" pitchFamily="34" charset="0"/>
                 <a:cs typeface="Times New Roman" panose="02020603050405020304" pitchFamily="18" charset="0"/>
               </a:rPr>
-              <a:t>With the rise of AI and automation, resume parsing has become essential for streamlining recruitment, improving candidate selection, and enhancing HR efficiency. An intelligent resume parser can quickly extract key details like skills, experience, and education, making hiring faster and more data-driven.</a:t>
+              <a:t>With the rise of AI and automation, resume parsing has become essential for streamlining recruitment, improving candidate selection, and enhancing HR efficiency. </a:t>
+            </a:r>
+            <a:endParaRPr lang="en-US" sz="2400" dirty="0">
+              <a:solidFill>
+                <a:schemeClr val="accent1">
+                  <a:lumMod val="50000"/>
+                </a:schemeClr>
+              </a:solidFill>
+              <a:effectLst/>
+              <a:latin typeface="Calibri" panose="020F0502020204030204" pitchFamily="34" charset="0"/>
+              <a:ea typeface="Calibri" panose="020F0502020204030204" pitchFamily="34" charset="0"/>
+              <a:cs typeface="Times New Roman" panose="02020603050405020304" pitchFamily="18" charset="0"/>
+            </a:endParaRPr>
+          </a:p>
+          <a:p>
+            <a:endParaRPr lang="en-US" sz="2400" dirty="0">
+              <a:solidFill>
+                <a:schemeClr val="accent1">
+                  <a:lumMod val="50000"/>
+                </a:schemeClr>
+              </a:solidFill>
+              <a:latin typeface="Calibri" panose="020F0502020204030204" pitchFamily="34" charset="0"/>
+              <a:ea typeface="Calibri" panose="020F0502020204030204" pitchFamily="34" charset="0"/>
+              <a:cs typeface="Times New Roman" panose="02020603050405020304" pitchFamily="18" charset="0"/>
+            </a:endParaRPr>
+          </a:p>
+          <a:p>
+            <a:r>
+              <a:rPr lang="en-US" sz="2400">
+                <a:solidFill>
+                  <a:schemeClr val="accent1">
+                    <a:lumMod val="50000"/>
+                  </a:schemeClr>
+                </a:solidFill>
+                <a:effectLst/>
+                <a:latin typeface="Calibri" panose="020F0502020204030204" pitchFamily="34" charset="0"/>
+                <a:ea typeface="Calibri" panose="020F0502020204030204" pitchFamily="34" charset="0"/>
+                <a:cs typeface="Times New Roman" panose="02020603050405020304" pitchFamily="18" charset="0"/>
+              </a:rPr>
+              <a:t>Project Goal: </a:t>
+            </a:r>
+            <a:r>
+              <a:rPr lang="en-US" sz="2400" dirty="0">
+                <a:solidFill>
+                  <a:schemeClr val="accent1">
+                    <a:lumMod val="50000"/>
+                  </a:schemeClr>
+                </a:solidFill>
+                <a:effectLst/>
+                <a:latin typeface="Calibri" panose="020F0502020204030204" pitchFamily="34" charset="0"/>
+                <a:ea typeface="Calibri" panose="020F0502020204030204" pitchFamily="34" charset="0"/>
+                <a:cs typeface="Times New Roman" panose="02020603050405020304" pitchFamily="18" charset="0"/>
+              </a:rPr>
+              <a:t>Develop</a:t>
+            </a:r>
+            <a:r>
+              <a:rPr lang="en-KE" sz="2400" dirty="0">
+                <a:solidFill>
+                  <a:schemeClr val="accent1">
+                    <a:lumMod val="50000"/>
+                  </a:schemeClr>
+                </a:solidFill>
+                <a:effectLst/>
+                <a:latin typeface="Calibri" panose="020F0502020204030204" pitchFamily="34" charset="0"/>
+                <a:ea typeface="Calibri" panose="020F0502020204030204" pitchFamily="34" charset="0"/>
+                <a:cs typeface="Times New Roman" panose="02020603050405020304" pitchFamily="18" charset="0"/>
+              </a:rPr>
+              <a:t> </a:t>
+            </a:r>
+            <a:r>
+              <a:rPr lang="en-US" sz="2400" dirty="0">
+                <a:solidFill>
+                  <a:schemeClr val="accent1">
+                    <a:lumMod val="50000"/>
+                  </a:schemeClr>
+                </a:solidFill>
+                <a:effectLst/>
+                <a:latin typeface="Calibri" panose="020F0502020204030204" pitchFamily="34" charset="0"/>
+                <a:ea typeface="Calibri" panose="020F0502020204030204" pitchFamily="34" charset="0"/>
+                <a:cs typeface="Times New Roman" panose="02020603050405020304" pitchFamily="18" charset="0"/>
+              </a:rPr>
+              <a:t>robust</a:t>
+            </a:r>
+            <a:r>
+              <a:rPr lang="en-KE" sz="2400" dirty="0">
+                <a:solidFill>
+                  <a:schemeClr val="accent1">
+                    <a:lumMod val="50000"/>
+                  </a:schemeClr>
+                </a:solidFill>
+                <a:effectLst/>
+                <a:latin typeface="Calibri" panose="020F0502020204030204" pitchFamily="34" charset="0"/>
+                <a:ea typeface="Calibri" panose="020F0502020204030204" pitchFamily="34" charset="0"/>
+                <a:cs typeface="Times New Roman" panose="02020603050405020304" pitchFamily="18" charset="0"/>
+              </a:rPr>
+              <a:t> resume parser </a:t>
+            </a:r>
+            <a:r>
+              <a:rPr lang="en-US" sz="2400" dirty="0">
+                <a:solidFill>
+                  <a:schemeClr val="accent1">
+                    <a:lumMod val="50000"/>
+                  </a:schemeClr>
+                </a:solidFill>
+                <a:effectLst/>
+                <a:latin typeface="Calibri" panose="020F0502020204030204" pitchFamily="34" charset="0"/>
+                <a:ea typeface="Calibri" panose="020F0502020204030204" pitchFamily="34" charset="0"/>
+                <a:cs typeface="Times New Roman" panose="02020603050405020304" pitchFamily="18" charset="0"/>
+              </a:rPr>
+              <a:t>system that </a:t>
+            </a:r>
+            <a:r>
+              <a:rPr lang="en-KE" sz="2400" dirty="0">
+                <a:solidFill>
+                  <a:schemeClr val="accent1">
+                    <a:lumMod val="50000"/>
+                  </a:schemeClr>
+                </a:solidFill>
+                <a:effectLst/>
+                <a:latin typeface="Calibri" panose="020F0502020204030204" pitchFamily="34" charset="0"/>
+                <a:ea typeface="Calibri" panose="020F0502020204030204" pitchFamily="34" charset="0"/>
+                <a:cs typeface="Times New Roman" panose="02020603050405020304" pitchFamily="18" charset="0"/>
+              </a:rPr>
+              <a:t>can </a:t>
+            </a:r>
+            <a:r>
+              <a:rPr lang="en-US" sz="2400" dirty="0">
+                <a:solidFill>
+                  <a:schemeClr val="accent1">
+                    <a:lumMod val="50000"/>
+                  </a:schemeClr>
+                </a:solidFill>
+                <a:effectLst/>
+                <a:latin typeface="Calibri" panose="020F0502020204030204" pitchFamily="34" charset="0"/>
+                <a:ea typeface="Calibri" panose="020F0502020204030204" pitchFamily="34" charset="0"/>
+                <a:cs typeface="Times New Roman" panose="02020603050405020304" pitchFamily="18" charset="0"/>
+              </a:rPr>
+              <a:t>accurately</a:t>
+            </a:r>
+            <a:r>
+              <a:rPr lang="en-KE" sz="2400" dirty="0">
+                <a:solidFill>
+                  <a:schemeClr val="accent1">
+                    <a:lumMod val="50000"/>
+                  </a:schemeClr>
+                </a:solidFill>
+                <a:effectLst/>
+                <a:latin typeface="Calibri" panose="020F0502020204030204" pitchFamily="34" charset="0"/>
+                <a:ea typeface="Calibri" panose="020F0502020204030204" pitchFamily="34" charset="0"/>
+                <a:cs typeface="Times New Roman" panose="02020603050405020304" pitchFamily="18" charset="0"/>
+              </a:rPr>
+              <a:t> extract key details like skills, experience</a:t>
+            </a:r>
+            <a:r>
+              <a:rPr lang="en-US" sz="2400" dirty="0">
+                <a:solidFill>
+                  <a:schemeClr val="accent1">
+                    <a:lumMod val="50000"/>
+                  </a:schemeClr>
+                </a:solidFill>
+                <a:latin typeface="Calibri" panose="020F0502020204030204" pitchFamily="34" charset="0"/>
+                <a:ea typeface="Calibri" panose="020F0502020204030204" pitchFamily="34" charset="0"/>
+                <a:cs typeface="Times New Roman" panose="02020603050405020304" pitchFamily="18" charset="0"/>
+              </a:rPr>
+              <a:t>, </a:t>
+            </a:r>
+            <a:r>
+              <a:rPr lang="en-US" sz="2400" dirty="0" err="1">
+                <a:solidFill>
+                  <a:schemeClr val="accent1">
+                    <a:lumMod val="50000"/>
+                  </a:schemeClr>
+                </a:solidFill>
+                <a:latin typeface="Calibri" panose="020F0502020204030204" pitchFamily="34" charset="0"/>
+                <a:ea typeface="Calibri" panose="020F0502020204030204" pitchFamily="34" charset="0"/>
+                <a:cs typeface="Times New Roman" panose="02020603050405020304" pitchFamily="18" charset="0"/>
+              </a:rPr>
+              <a:t>etc</a:t>
+            </a:r>
+            <a:r>
+              <a:rPr lang="en-US" sz="2400" dirty="0">
+                <a:solidFill>
+                  <a:schemeClr val="accent1">
+                    <a:lumMod val="50000"/>
+                  </a:schemeClr>
+                </a:solidFill>
+                <a:latin typeface="Calibri" panose="020F0502020204030204" pitchFamily="34" charset="0"/>
+                <a:ea typeface="Calibri" panose="020F0502020204030204" pitchFamily="34" charset="0"/>
+                <a:cs typeface="Times New Roman" panose="02020603050405020304" pitchFamily="18" charset="0"/>
+              </a:rPr>
+              <a:t>, and rank CVs </a:t>
+            </a:r>
+            <a:r>
+              <a:rPr lang="en-KE" sz="2400" dirty="0">
+                <a:solidFill>
+                  <a:schemeClr val="accent1">
+                    <a:lumMod val="50000"/>
+                  </a:schemeClr>
+                </a:solidFill>
+                <a:effectLst/>
+                <a:latin typeface="Calibri" panose="020F0502020204030204" pitchFamily="34" charset="0"/>
+                <a:ea typeface="Calibri" panose="020F0502020204030204" pitchFamily="34" charset="0"/>
+                <a:cs typeface="Times New Roman" panose="02020603050405020304" pitchFamily="18" charset="0"/>
+              </a:rPr>
+              <a:t>making hiring faster and more data-driven.</a:t>
             </a:r>
           </a:p>
           <a:p>
@@ -6363,7 +6699,7 @@
                 <a:ea typeface="Calibri" panose="020F0502020204030204" pitchFamily="34" charset="0"/>
                 <a:cs typeface="Times New Roman" panose="02020603050405020304" pitchFamily="18" charset="0"/>
               </a:rPr>
-              <a:t>Failed</a:t>
+              <a:t>Failed </a:t>
             </a:r>
             <a:r>
               <a:rPr lang="en-KE" sz="2400" dirty="0">
@@ -7043,7 +7379,7 @@
           <a:p>
             <a:r>
               <a:rPr lang="en-US" sz="2000" dirty="0"/>
-              <a:t>       Create a structured dataset by extracting names,                        skills, companies, education, etc.</a:t>
+              <a:t>       Create a structured dataset by extracting names,                        skills, companies, education, etc. Further data cleaning</a:t>
             </a:r>
           </a:p>
           <a:p>
